--- a/SMS Spam Classifier.pptx
+++ b/SMS Spam Classifier.pptx
@@ -6,6 +6,9 @@
   </p:sldMasterIdLst>
   <p:sldIdLst>
     <p:sldId id="256" r:id="rId2"/>
+    <p:sldId id="257" r:id="rId3"/>
+    <p:sldId id="258" r:id="rId4"/>
+    <p:sldId id="259" r:id="rId5"/>
   </p:sldIdLst>
   <p:sldSz cx="12192000" cy="6858000"/>
   <p:notesSz cx="6858000" cy="9144000"/>
@@ -5995,6 +5998,261 @@
 </p:sld>
 </file>
 
+<file path=ppt/slides/slide2.xml><?xml version="1.0" encoding="utf-8"?>
+<p:sld xmlns:a="http://schemas.openxmlformats.org/drawingml/2006/main" xmlns:r="http://schemas.openxmlformats.org/officeDocument/2006/relationships" xmlns:p="http://schemas.openxmlformats.org/presentationml/2006/main">
+  <p:cSld>
+    <p:spTree>
+      <p:nvGrpSpPr>
+        <p:cNvPr id="1" name=""/>
+        <p:cNvGrpSpPr/>
+        <p:nvPr/>
+      </p:nvGrpSpPr>
+      <p:grpSpPr>
+        <a:xfrm>
+          <a:off x="0" y="0"/>
+          <a:ext cx="0" cy="0"/>
+          <a:chOff x="0" y="0"/>
+          <a:chExt cx="0" cy="0"/>
+        </a:xfrm>
+      </p:grpSpPr>
+      <p:sp>
+        <p:nvSpPr>
+          <p:cNvPr id="2" name="Title 1">
+            <a:extLst>
+              <a:ext uri="{FF2B5EF4-FFF2-40B4-BE49-F238E27FC236}">
+                <a16:creationId xmlns:a16="http://schemas.microsoft.com/office/drawing/2014/main" id="{A482C956-3470-428B-8500-AD9D438E6F34}"/>
+              </a:ext>
+            </a:extLst>
+          </p:cNvPr>
+          <p:cNvSpPr>
+            <a:spLocks noGrp="1"/>
+          </p:cNvSpPr>
+          <p:nvPr>
+            <p:ph type="title"/>
+          </p:nvPr>
+        </p:nvSpPr>
+        <p:spPr/>
+        <p:txBody>
+          <a:bodyPr/>
+          <a:lstStyle/>
+          <a:p>
+            <a:r>
+              <a:rPr lang="en-US" dirty="0"/>
+              <a:t>Overview of our dataset</a:t>
+            </a:r>
+          </a:p>
+        </p:txBody>
+      </p:sp>
+      <p:sp>
+        <p:nvSpPr>
+          <p:cNvPr id="3" name="Content Placeholder 2">
+            <a:extLst>
+              <a:ext uri="{FF2B5EF4-FFF2-40B4-BE49-F238E27FC236}">
+                <a16:creationId xmlns:a16="http://schemas.microsoft.com/office/drawing/2014/main" id="{E0480141-B220-422B-BFD4-895E392B6D32}"/>
+              </a:ext>
+            </a:extLst>
+          </p:cNvPr>
+          <p:cNvSpPr>
+            <a:spLocks noGrp="1"/>
+          </p:cNvSpPr>
+          <p:nvPr>
+            <p:ph idx="1"/>
+          </p:nvPr>
+        </p:nvSpPr>
+        <p:spPr/>
+        <p:txBody>
+          <a:bodyPr/>
+          <a:lstStyle/>
+          <a:p>
+            <a:endParaRPr lang="en-US"/>
+          </a:p>
+        </p:txBody>
+      </p:sp>
+    </p:spTree>
+    <p:extLst>
+      <p:ext uri="{BB962C8B-B14F-4D97-AF65-F5344CB8AC3E}">
+        <p14:creationId xmlns:p14="http://schemas.microsoft.com/office/powerpoint/2010/main" val="1910367981"/>
+      </p:ext>
+    </p:extLst>
+  </p:cSld>
+  <p:clrMapOvr>
+    <a:masterClrMapping/>
+  </p:clrMapOvr>
+</p:sld>
+</file>
+
+<file path=ppt/slides/slide3.xml><?xml version="1.0" encoding="utf-8"?>
+<p:sld xmlns:a="http://schemas.openxmlformats.org/drawingml/2006/main" xmlns:r="http://schemas.openxmlformats.org/officeDocument/2006/relationships" xmlns:p="http://schemas.openxmlformats.org/presentationml/2006/main">
+  <p:cSld>
+    <p:spTree>
+      <p:nvGrpSpPr>
+        <p:cNvPr id="1" name=""/>
+        <p:cNvGrpSpPr/>
+        <p:nvPr/>
+      </p:nvGrpSpPr>
+      <p:grpSpPr>
+        <a:xfrm>
+          <a:off x="0" y="0"/>
+          <a:ext cx="0" cy="0"/>
+          <a:chOff x="0" y="0"/>
+          <a:chExt cx="0" cy="0"/>
+        </a:xfrm>
+      </p:grpSpPr>
+      <p:sp>
+        <p:nvSpPr>
+          <p:cNvPr id="2" name="Title 1">
+            <a:extLst>
+              <a:ext uri="{FF2B5EF4-FFF2-40B4-BE49-F238E27FC236}">
+                <a16:creationId xmlns:a16="http://schemas.microsoft.com/office/drawing/2014/main" id="{C3F06E7B-DC65-4385-AF87-2A39B5B25845}"/>
+              </a:ext>
+            </a:extLst>
+          </p:cNvPr>
+          <p:cNvSpPr>
+            <a:spLocks noGrp="1"/>
+          </p:cNvSpPr>
+          <p:nvPr>
+            <p:ph type="title"/>
+          </p:nvPr>
+        </p:nvSpPr>
+        <p:spPr/>
+        <p:txBody>
+          <a:bodyPr/>
+          <a:lstStyle/>
+          <a:p>
+            <a:r>
+              <a:rPr lang="en-US" dirty="0"/>
+              <a:t>Preprocessing</a:t>
+            </a:r>
+          </a:p>
+        </p:txBody>
+      </p:sp>
+      <p:sp>
+        <p:nvSpPr>
+          <p:cNvPr id="3" name="Content Placeholder 2">
+            <a:extLst>
+              <a:ext uri="{FF2B5EF4-FFF2-40B4-BE49-F238E27FC236}">
+                <a16:creationId xmlns:a16="http://schemas.microsoft.com/office/drawing/2014/main" id="{429A1621-76DC-47C0-8490-DFBC7A700E3A}"/>
+              </a:ext>
+            </a:extLst>
+          </p:cNvPr>
+          <p:cNvSpPr>
+            <a:spLocks noGrp="1"/>
+          </p:cNvSpPr>
+          <p:nvPr>
+            <p:ph idx="1"/>
+          </p:nvPr>
+        </p:nvSpPr>
+        <p:spPr/>
+        <p:txBody>
+          <a:bodyPr/>
+          <a:lstStyle/>
+          <a:p>
+            <a:r>
+              <a:rPr lang="en-US" dirty="0"/>
+              <a:t>Format text to make all lowercase</a:t>
+            </a:r>
+          </a:p>
+          <a:p>
+            <a:endParaRPr lang="en-US" dirty="0"/>
+          </a:p>
+        </p:txBody>
+      </p:sp>
+    </p:spTree>
+    <p:extLst>
+      <p:ext uri="{BB962C8B-B14F-4D97-AF65-F5344CB8AC3E}">
+        <p14:creationId xmlns:p14="http://schemas.microsoft.com/office/powerpoint/2010/main" val="3179118310"/>
+      </p:ext>
+    </p:extLst>
+  </p:cSld>
+  <p:clrMapOvr>
+    <a:masterClrMapping/>
+  </p:clrMapOvr>
+</p:sld>
+</file>
+
+<file path=ppt/slides/slide4.xml><?xml version="1.0" encoding="utf-8"?>
+<p:sld xmlns:a="http://schemas.openxmlformats.org/drawingml/2006/main" xmlns:r="http://schemas.openxmlformats.org/officeDocument/2006/relationships" xmlns:p="http://schemas.openxmlformats.org/presentationml/2006/main">
+  <p:cSld>
+    <p:spTree>
+      <p:nvGrpSpPr>
+        <p:cNvPr id="1" name=""/>
+        <p:cNvGrpSpPr/>
+        <p:nvPr/>
+      </p:nvGrpSpPr>
+      <p:grpSpPr>
+        <a:xfrm>
+          <a:off x="0" y="0"/>
+          <a:ext cx="0" cy="0"/>
+          <a:chOff x="0" y="0"/>
+          <a:chExt cx="0" cy="0"/>
+        </a:xfrm>
+      </p:grpSpPr>
+      <p:sp>
+        <p:nvSpPr>
+          <p:cNvPr id="2" name="Title 1">
+            <a:extLst>
+              <a:ext uri="{FF2B5EF4-FFF2-40B4-BE49-F238E27FC236}">
+                <a16:creationId xmlns:a16="http://schemas.microsoft.com/office/drawing/2014/main" id="{CCCF6BF2-4D67-456E-B85C-8EDE77DD94E4}"/>
+              </a:ext>
+            </a:extLst>
+          </p:cNvPr>
+          <p:cNvSpPr>
+            <a:spLocks noGrp="1"/>
+          </p:cNvSpPr>
+          <p:nvPr>
+            <p:ph type="title"/>
+          </p:nvPr>
+        </p:nvSpPr>
+        <p:spPr/>
+        <p:txBody>
+          <a:bodyPr/>
+          <a:lstStyle/>
+          <a:p>
+            <a:r>
+              <a:rPr lang="en-US" dirty="0"/>
+              <a:t>Classifiers</a:t>
+            </a:r>
+          </a:p>
+        </p:txBody>
+      </p:sp>
+      <p:sp>
+        <p:nvSpPr>
+          <p:cNvPr id="3" name="Content Placeholder 2">
+            <a:extLst>
+              <a:ext uri="{FF2B5EF4-FFF2-40B4-BE49-F238E27FC236}">
+                <a16:creationId xmlns:a16="http://schemas.microsoft.com/office/drawing/2014/main" id="{1BBCC078-43AA-478C-99FE-BDDA501DA46F}"/>
+              </a:ext>
+            </a:extLst>
+          </p:cNvPr>
+          <p:cNvSpPr>
+            <a:spLocks noGrp="1"/>
+          </p:cNvSpPr>
+          <p:nvPr>
+            <p:ph idx="1"/>
+          </p:nvPr>
+        </p:nvSpPr>
+        <p:spPr/>
+        <p:txBody>
+          <a:bodyPr/>
+          <a:lstStyle/>
+          <a:p>
+            <a:endParaRPr lang="en-US"/>
+          </a:p>
+        </p:txBody>
+      </p:sp>
+    </p:spTree>
+    <p:extLst>
+      <p:ext uri="{BB962C8B-B14F-4D97-AF65-F5344CB8AC3E}">
+        <p14:creationId xmlns:p14="http://schemas.microsoft.com/office/powerpoint/2010/main" val="3569260978"/>
+      </p:ext>
+    </p:extLst>
+  </p:cSld>
+  <p:clrMapOvr>
+    <a:masterClrMapping/>
+  </p:clrMapOvr>
+</p:sld>
+</file>
+
 <file path=ppt/theme/theme1.xml><?xml version="1.0" encoding="utf-8"?>
 <a:theme xmlns:a="http://schemas.openxmlformats.org/drawingml/2006/main" name="Organic">
   <a:themeElements>

--- a/SMS Spam Classifier.pptx
+++ b/SMS Spam Classifier.pptx
@@ -6,9 +6,15 @@
   </p:sldMasterIdLst>
   <p:sldIdLst>
     <p:sldId id="256" r:id="rId2"/>
-    <p:sldId id="257" r:id="rId3"/>
-    <p:sldId id="258" r:id="rId4"/>
-    <p:sldId id="259" r:id="rId5"/>
+    <p:sldId id="260" r:id="rId3"/>
+    <p:sldId id="257" r:id="rId4"/>
+    <p:sldId id="261" r:id="rId5"/>
+    <p:sldId id="258" r:id="rId6"/>
+    <p:sldId id="263" r:id="rId7"/>
+    <p:sldId id="262" r:id="rId8"/>
+    <p:sldId id="264" r:id="rId9"/>
+    <p:sldId id="265" r:id="rId10"/>
+    <p:sldId id="266" r:id="rId11"/>
   </p:sldIdLst>
   <p:sldSz cx="12192000" cy="6858000"/>
   <p:notesSz cx="6858000" cy="9144000"/>
@@ -107,6 +113,11 @@
       </a:defRPr>
     </a:lvl9pPr>
   </p:defaultTextStyle>
+  <p:extLst>
+    <p:ext uri="{EFAFB233-063F-42B5-8137-9DF3F51BA10A}">
+      <p15:sldGuideLst xmlns:p15="http://schemas.microsoft.com/office/powerpoint/2012/main"/>
+    </p:ext>
+  </p:extLst>
 </p:presentation>
 </file>
 
@@ -441,7 +452,7 @@
           <a:p>
             <a:fld id="{033D0359-06C6-4FBD-B085-AF639142C287}" type="datetimeFigureOut">
               <a:rPr lang="en-US" smtClean="0"/>
-              <a:t>4/25/2020</a:t>
+              <a:t>4/28/2020</a:t>
             </a:fld>
             <a:endParaRPr lang="en-US"/>
           </a:p>
@@ -765,7 +776,7 @@
           <a:p>
             <a:fld id="{033D0359-06C6-4FBD-B085-AF639142C287}" type="datetimeFigureOut">
               <a:rPr lang="en-US" smtClean="0"/>
-              <a:t>4/25/2020</a:t>
+              <a:t>4/28/2020</a:t>
             </a:fld>
             <a:endParaRPr lang="en-US"/>
           </a:p>
@@ -1013,7 +1024,7 @@
           <a:p>
             <a:fld id="{033D0359-06C6-4FBD-B085-AF639142C287}" type="datetimeFigureOut">
               <a:rPr lang="en-US" smtClean="0"/>
-              <a:t>4/25/2020</a:t>
+              <a:t>4/28/2020</a:t>
             </a:fld>
             <a:endParaRPr lang="en-US"/>
           </a:p>
@@ -1352,7 +1363,7 @@
           <a:p>
             <a:fld id="{033D0359-06C6-4FBD-B085-AF639142C287}" type="datetimeFigureOut">
               <a:rPr lang="en-US" smtClean="0"/>
-              <a:t>4/25/2020</a:t>
+              <a:t>4/28/2020</a:t>
             </a:fld>
             <a:endParaRPr lang="en-US"/>
           </a:p>
@@ -1699,7 +1710,7 @@
           <a:p>
             <a:fld id="{033D0359-06C6-4FBD-B085-AF639142C287}" type="datetimeFigureOut">
               <a:rPr lang="en-US" smtClean="0"/>
-              <a:t>4/25/2020</a:t>
+              <a:t>4/28/2020</a:t>
             </a:fld>
             <a:endParaRPr lang="en-US"/>
           </a:p>
@@ -2073,7 +2084,7 @@
           <a:p>
             <a:fld id="{033D0359-06C6-4FBD-B085-AF639142C287}" type="datetimeFigureOut">
               <a:rPr lang="en-US" smtClean="0"/>
-              <a:t>4/25/2020</a:t>
+              <a:t>4/28/2020</a:t>
             </a:fld>
             <a:endParaRPr lang="en-US"/>
           </a:p>
@@ -2543,7 +2554,7 @@
           <a:p>
             <a:fld id="{033D0359-06C6-4FBD-B085-AF639142C287}" type="datetimeFigureOut">
               <a:rPr lang="en-US" smtClean="0"/>
-              <a:t>4/25/2020</a:t>
+              <a:t>4/28/2020</a:t>
             </a:fld>
             <a:endParaRPr lang="en-US"/>
           </a:p>
@@ -2748,7 +2759,7 @@
           <a:p>
             <a:fld id="{033D0359-06C6-4FBD-B085-AF639142C287}" type="datetimeFigureOut">
               <a:rPr lang="en-US" smtClean="0"/>
-              <a:t>4/25/2020</a:t>
+              <a:t>4/28/2020</a:t>
             </a:fld>
             <a:endParaRPr lang="en-US"/>
           </a:p>
@@ -2959,7 +2970,7 @@
           <a:p>
             <a:fld id="{033D0359-06C6-4FBD-B085-AF639142C287}" type="datetimeFigureOut">
               <a:rPr lang="en-US" smtClean="0"/>
-              <a:t>4/25/2020</a:t>
+              <a:t>4/28/2020</a:t>
             </a:fld>
             <a:endParaRPr lang="en-US"/>
           </a:p>
@@ -3191,7 +3202,7 @@
           <a:p>
             <a:fld id="{033D0359-06C6-4FBD-B085-AF639142C287}" type="datetimeFigureOut">
               <a:rPr lang="en-US" smtClean="0"/>
-              <a:t>4/25/2020</a:t>
+              <a:t>4/28/2020</a:t>
             </a:fld>
             <a:endParaRPr lang="en-US"/>
           </a:p>
@@ -3439,7 +3450,7 @@
           <a:p>
             <a:fld id="{033D0359-06C6-4FBD-B085-AF639142C287}" type="datetimeFigureOut">
               <a:rPr lang="en-US" smtClean="0"/>
-              <a:t>4/25/2020</a:t>
+              <a:t>4/28/2020</a:t>
             </a:fld>
             <a:endParaRPr lang="en-US"/>
           </a:p>
@@ -3737,7 +3748,7 @@
           <a:p>
             <a:fld id="{033D0359-06C6-4FBD-B085-AF639142C287}" type="datetimeFigureOut">
               <a:rPr lang="en-US" smtClean="0"/>
-              <a:t>4/25/2020</a:t>
+              <a:t>4/28/2020</a:t>
             </a:fld>
             <a:endParaRPr lang="en-US"/>
           </a:p>
@@ -4131,7 +4142,7 @@
           <a:p>
             <a:fld id="{033D0359-06C6-4FBD-B085-AF639142C287}" type="datetimeFigureOut">
               <a:rPr lang="en-US" smtClean="0"/>
-              <a:t>4/25/2020</a:t>
+              <a:t>4/28/2020</a:t>
             </a:fld>
             <a:endParaRPr lang="en-US"/>
           </a:p>
@@ -4280,7 +4291,7 @@
           <a:p>
             <a:fld id="{033D0359-06C6-4FBD-B085-AF639142C287}" type="datetimeFigureOut">
               <a:rPr lang="en-US" smtClean="0"/>
-              <a:t>4/25/2020</a:t>
+              <a:t>4/28/2020</a:t>
             </a:fld>
             <a:endParaRPr lang="en-US"/>
           </a:p>
@@ -4406,7 +4417,7 @@
           <a:p>
             <a:fld id="{033D0359-06C6-4FBD-B085-AF639142C287}" type="datetimeFigureOut">
               <a:rPr lang="en-US" smtClean="0"/>
-              <a:t>4/25/2020</a:t>
+              <a:t>4/28/2020</a:t>
             </a:fld>
             <a:endParaRPr lang="en-US"/>
           </a:p>
@@ -4661,7 +4672,7 @@
           <a:p>
             <a:fld id="{033D0359-06C6-4FBD-B085-AF639142C287}" type="datetimeFigureOut">
               <a:rPr lang="en-US" smtClean="0"/>
-              <a:t>4/25/2020</a:t>
+              <a:t>4/28/2020</a:t>
             </a:fld>
             <a:endParaRPr lang="en-US"/>
           </a:p>
@@ -4976,7 +4987,7 @@
           <a:p>
             <a:fld id="{033D0359-06C6-4FBD-B085-AF639142C287}" type="datetimeFigureOut">
               <a:rPr lang="en-US" smtClean="0"/>
-              <a:t>4/25/2020</a:t>
+              <a:t>4/28/2020</a:t>
             </a:fld>
             <a:endParaRPr lang="en-US"/>
           </a:p>
@@ -5327,7 +5338,7 @@
           <a:p>
             <a:fld id="{033D0359-06C6-4FBD-B085-AF639142C287}" type="datetimeFigureOut">
               <a:rPr lang="en-US" smtClean="0"/>
-              <a:t>4/25/2020</a:t>
+              <a:t>4/28/2020</a:t>
             </a:fld>
             <a:endParaRPr lang="en-US"/>
           </a:p>
@@ -5998,6 +6009,206 @@
 </p:sld>
 </file>
 
+<file path=ppt/slides/slide10.xml><?xml version="1.0" encoding="utf-8"?>
+<p:sld xmlns:a="http://schemas.openxmlformats.org/drawingml/2006/main" xmlns:r="http://schemas.openxmlformats.org/officeDocument/2006/relationships" xmlns:p="http://schemas.openxmlformats.org/presentationml/2006/main">
+  <p:cSld>
+    <p:bg>
+      <p:bgPr>
+        <a:blipFill>
+          <a:blip r:embed="rId2"/>
+          <a:stretch/>
+        </a:blipFill>
+        <a:effectLst/>
+      </p:bgPr>
+    </p:bg>
+    <p:spTree>
+      <p:nvGrpSpPr>
+        <p:cNvPr id="1" name=""/>
+        <p:cNvGrpSpPr/>
+        <p:nvPr/>
+      </p:nvGrpSpPr>
+      <p:grpSpPr>
+        <a:xfrm>
+          <a:off x="0" y="0"/>
+          <a:ext cx="0" cy="0"/>
+          <a:chOff x="0" y="0"/>
+          <a:chExt cx="0" cy="0"/>
+        </a:xfrm>
+      </p:grpSpPr>
+      <p:sp>
+        <p:nvSpPr>
+          <p:cNvPr id="2" name="Title 1">
+            <a:extLst>
+              <a:ext uri="{FF2B5EF4-FFF2-40B4-BE49-F238E27FC236}">
+                <a16:creationId xmlns:a16="http://schemas.microsoft.com/office/drawing/2014/main" id="{98CBBA40-DC2A-46B4-A8D0-0ABC39C8BD22}"/>
+              </a:ext>
+            </a:extLst>
+          </p:cNvPr>
+          <p:cNvSpPr>
+            <a:spLocks noGrp="1"/>
+          </p:cNvSpPr>
+          <p:nvPr>
+            <p:ph type="title"/>
+          </p:nvPr>
+        </p:nvSpPr>
+        <p:spPr>
+          <a:xfrm>
+            <a:off x="1295402" y="982132"/>
+            <a:ext cx="9601196" cy="1112886"/>
+          </a:xfrm>
+        </p:spPr>
+        <p:txBody>
+          <a:bodyPr anchor="b">
+            <a:normAutofit/>
+          </a:bodyPr>
+          <a:lstStyle/>
+          <a:p>
+            <a:r>
+              <a:rPr lang="en-US" dirty="0">
+                <a:solidFill>
+                  <a:srgbClr val="262626"/>
+                </a:solidFill>
+              </a:rPr>
+              <a:t>Real-World Applications</a:t>
+            </a:r>
+          </a:p>
+        </p:txBody>
+      </p:sp>
+      <p:sp>
+        <p:nvSpPr>
+          <p:cNvPr id="9" name="Content Placeholder 8">
+            <a:extLst>
+              <a:ext uri="{FF2B5EF4-FFF2-40B4-BE49-F238E27FC236}">
+                <a16:creationId xmlns:a16="http://schemas.microsoft.com/office/drawing/2014/main" id="{DB4E92A7-2415-478F-882B-697014E27C0B}"/>
+              </a:ext>
+            </a:extLst>
+          </p:cNvPr>
+          <p:cNvSpPr>
+            <a:spLocks noGrp="1"/>
+          </p:cNvSpPr>
+          <p:nvPr>
+            <p:ph idx="4294967295"/>
+          </p:nvPr>
+        </p:nvSpPr>
+        <p:spPr>
+          <a:xfrm>
+            <a:off x="1295402" y="2771756"/>
+            <a:ext cx="3021955" cy="3381375"/>
+          </a:xfrm>
+        </p:spPr>
+        <p:txBody>
+          <a:bodyPr>
+            <a:normAutofit/>
+          </a:bodyPr>
+          <a:lstStyle/>
+          <a:p>
+            <a:r>
+              <a:rPr lang="en-US" sz="1600" dirty="0">
+                <a:solidFill>
+                  <a:srgbClr val="262626"/>
+                </a:solidFill>
+              </a:rPr>
+              <a:t>Machine learning can be used to automatically filter out messages before they even reach the user</a:t>
+            </a:r>
+          </a:p>
+          <a:p>
+            <a:r>
+              <a:rPr lang="en-US" sz="1600" dirty="0">
+                <a:solidFill>
+                  <a:srgbClr val="262626"/>
+                </a:solidFill>
+              </a:rPr>
+              <a:t>This is exactly what Gmail’s spam filter does</a:t>
+            </a:r>
+          </a:p>
+          <a:p>
+            <a:endParaRPr lang="en-US" sz="1600" dirty="0">
+              <a:solidFill>
+                <a:srgbClr val="262626"/>
+              </a:solidFill>
+            </a:endParaRPr>
+          </a:p>
+        </p:txBody>
+      </p:sp>
+      <p:pic>
+        <p:nvPicPr>
+          <p:cNvPr id="5" name="Content Placeholder 4" descr="A picture containing orange&#10;&#10;Description automatically generated">
+            <a:extLst>
+              <a:ext uri="{FF2B5EF4-FFF2-40B4-BE49-F238E27FC236}">
+                <a16:creationId xmlns:a16="http://schemas.microsoft.com/office/drawing/2014/main" id="{5808FDDE-9D16-4CA0-88ED-9EC4F48FB1C2}"/>
+              </a:ext>
+            </a:extLst>
+          </p:cNvPr>
+          <p:cNvPicPr>
+            <a:picLocks noChangeAspect="1"/>
+          </p:cNvPicPr>
+          <p:nvPr/>
+        </p:nvPicPr>
+        <p:blipFill>
+          <a:blip r:embed="rId3">
+            <a:extLst>
+              <a:ext uri="{28A0092B-C50C-407E-A947-70E740481C1C}">
+                <a14:useLocalDpi xmlns:a14="http://schemas.microsoft.com/office/drawing/2010/main" val="0"/>
+              </a:ext>
+            </a:extLst>
+          </a:blip>
+          <a:stretch>
+            <a:fillRect/>
+          </a:stretch>
+        </p:blipFill>
+        <p:spPr>
+          <a:xfrm>
+            <a:off x="4698243" y="2945460"/>
+            <a:ext cx="6198355" cy="2727275"/>
+          </a:xfrm>
+          <a:prstGeom prst="rect">
+            <a:avLst/>
+          </a:prstGeom>
+          <a:solidFill>
+            <a:srgbClr val="FFFFFF">
+              <a:shade val="85000"/>
+            </a:srgbClr>
+          </a:solidFill>
+          <a:ln w="88900" cap="sq">
+            <a:solidFill>
+              <a:srgbClr val="FFFFFF"/>
+            </a:solidFill>
+            <a:miter lim="800000"/>
+          </a:ln>
+          <a:effectLst>
+            <a:outerShdw blurRad="55000" dist="18000" dir="5400000" algn="tl" rotWithShape="0">
+              <a:srgbClr val="000000">
+                <a:alpha val="40000"/>
+              </a:srgbClr>
+            </a:outerShdw>
+          </a:effectLst>
+          <a:scene3d>
+            <a:camera prst="orthographicFront"/>
+            <a:lightRig rig="twoPt" dir="t">
+              <a:rot lat="0" lon="0" rev="7200000"/>
+            </a:lightRig>
+          </a:scene3d>
+          <a:sp3d>
+            <a:bevelT w="25400" h="19050"/>
+            <a:contourClr>
+              <a:srgbClr val="FFFFFF"/>
+            </a:contourClr>
+          </a:sp3d>
+        </p:spPr>
+      </p:pic>
+    </p:spTree>
+    <p:extLst>
+      <p:ext uri="{BB962C8B-B14F-4D97-AF65-F5344CB8AC3E}">
+        <p14:creationId xmlns:p14="http://schemas.microsoft.com/office/powerpoint/2010/main" val="2968407921"/>
+      </p:ext>
+    </p:extLst>
+  </p:cSld>
+  <p:clrMapOvr>
+    <a:masterClrMapping/>
+  </p:clrMapOvr>
+</p:sld>
+</file>
+
 <file path=ppt/slides/slide2.xml><?xml version="1.0" encoding="utf-8"?>
 <p:sld xmlns:a="http://schemas.openxmlformats.org/drawingml/2006/main" xmlns:r="http://schemas.openxmlformats.org/officeDocument/2006/relationships" xmlns:p="http://schemas.openxmlformats.org/presentationml/2006/main">
   <p:cSld>
@@ -6020,7 +6231,7 @@
           <p:cNvPr id="2" name="Title 1">
             <a:extLst>
               <a:ext uri="{FF2B5EF4-FFF2-40B4-BE49-F238E27FC236}">
-                <a16:creationId xmlns:a16="http://schemas.microsoft.com/office/drawing/2014/main" id="{A482C956-3470-428B-8500-AD9D438E6F34}"/>
+                <a16:creationId xmlns:a16="http://schemas.microsoft.com/office/drawing/2014/main" id="{09884F21-3C0A-422A-852A-9CF6E90501DD}"/>
               </a:ext>
             </a:extLst>
           </p:cNvPr>
@@ -6038,7 +6249,7 @@
           <a:p>
             <a:r>
               <a:rPr lang="en-US" dirty="0"/>
-              <a:t>Overview of our dataset</a:t>
+              <a:t>General Outline</a:t>
             </a:r>
           </a:p>
         </p:txBody>
@@ -6048,7 +6259,7 @@
           <p:cNvPr id="3" name="Content Placeholder 2">
             <a:extLst>
               <a:ext uri="{FF2B5EF4-FFF2-40B4-BE49-F238E27FC236}">
-                <a16:creationId xmlns:a16="http://schemas.microsoft.com/office/drawing/2014/main" id="{E0480141-B220-422B-BFD4-895E392B6D32}"/>
+                <a16:creationId xmlns:a16="http://schemas.microsoft.com/office/drawing/2014/main" id="{18510215-5F3D-4A48-8743-3B7E40701A62}"/>
               </a:ext>
             </a:extLst>
           </p:cNvPr>
@@ -6064,14 +6275,126 @@
           <a:bodyPr/>
           <a:lstStyle/>
           <a:p>
-            <a:endParaRPr lang="en-US"/>
-          </a:p>
-        </p:txBody>
-      </p:sp>
+            <a:pPr marL="0" indent="0">
+              <a:buNone/>
+            </a:pPr>
+            <a:r>
+              <a:rPr lang="en-US" dirty="0"/>
+              <a:t>Basic Project Guideline:</a:t>
+            </a:r>
+          </a:p>
+          <a:p>
+            <a:pPr>
+              <a:buFont typeface="Wingdings" panose="05000000000000000000" pitchFamily="2" charset="2"/>
+              <a:buChar char="§"/>
+            </a:pPr>
+            <a:r>
+              <a:rPr lang="en-US" dirty="0"/>
+              <a:t>What do we want to achieve with our dataset?</a:t>
+            </a:r>
+          </a:p>
+          <a:p>
+            <a:pPr>
+              <a:buFont typeface="Wingdings" panose="05000000000000000000" pitchFamily="2" charset="2"/>
+              <a:buChar char="§"/>
+            </a:pPr>
+            <a:r>
+              <a:rPr lang="en-US" dirty="0"/>
+              <a:t>How can we achieve this?</a:t>
+            </a:r>
+          </a:p>
+          <a:p>
+            <a:pPr>
+              <a:buFont typeface="Wingdings" panose="05000000000000000000" pitchFamily="2" charset="2"/>
+              <a:buChar char="§"/>
+            </a:pPr>
+            <a:r>
+              <a:rPr lang="en-US" dirty="0"/>
+              <a:t>What results are we looking for?</a:t>
+            </a:r>
+          </a:p>
+          <a:p>
+            <a:pPr>
+              <a:buFont typeface="Wingdings" panose="05000000000000000000" pitchFamily="2" charset="2"/>
+              <a:buChar char="§"/>
+            </a:pPr>
+            <a:r>
+              <a:rPr lang="en-US" dirty="0"/>
+              <a:t>What conclusions can we make?</a:t>
+            </a:r>
+          </a:p>
+        </p:txBody>
+      </p:sp>
+      <p:pic>
+        <p:nvPicPr>
+          <p:cNvPr id="5" name="Picture 4" descr="A picture containing clock&#10;&#10;Description automatically generated">
+            <a:extLst>
+              <a:ext uri="{FF2B5EF4-FFF2-40B4-BE49-F238E27FC236}">
+                <a16:creationId xmlns:a16="http://schemas.microsoft.com/office/drawing/2014/main" id="{7481BA58-5CBF-42FC-B47C-BE7862363C8C}"/>
+              </a:ext>
+            </a:extLst>
+          </p:cNvPr>
+          <p:cNvPicPr>
+            <a:picLocks noChangeAspect="1"/>
+          </p:cNvPicPr>
+          <p:nvPr/>
+        </p:nvPicPr>
+        <p:blipFill>
+          <a:blip r:embed="rId2">
+            <a:extLst>
+              <a:ext uri="{28A0092B-C50C-407E-A947-70E740481C1C}">
+                <a14:useLocalDpi xmlns:a14="http://schemas.microsoft.com/office/drawing/2010/main" val="0"/>
+              </a:ext>
+            </a:extLst>
+          </a:blip>
+          <a:stretch>
+            <a:fillRect/>
+          </a:stretch>
+        </p:blipFill>
+        <p:spPr>
+          <a:xfrm>
+            <a:off x="7496175" y="2628349"/>
+            <a:ext cx="3176102" cy="3176102"/>
+          </a:xfrm>
+          <a:prstGeom prst="rect">
+            <a:avLst/>
+          </a:prstGeom>
+          <a:solidFill>
+            <a:srgbClr val="FFFFFF">
+              <a:shade val="85000"/>
+            </a:srgbClr>
+          </a:solidFill>
+          <a:ln w="88900" cap="sq">
+            <a:solidFill>
+              <a:srgbClr val="FFFFFF"/>
+            </a:solidFill>
+            <a:miter lim="800000"/>
+          </a:ln>
+          <a:effectLst>
+            <a:outerShdw blurRad="55000" dist="18000" dir="5400000" algn="tl" rotWithShape="0">
+              <a:srgbClr val="000000">
+                <a:alpha val="40000"/>
+              </a:srgbClr>
+            </a:outerShdw>
+          </a:effectLst>
+          <a:scene3d>
+            <a:camera prst="orthographicFront"/>
+            <a:lightRig rig="twoPt" dir="t">
+              <a:rot lat="0" lon="0" rev="7200000"/>
+            </a:lightRig>
+          </a:scene3d>
+          <a:sp3d>
+            <a:bevelT w="25400" h="19050"/>
+            <a:contourClr>
+              <a:srgbClr val="FFFFFF"/>
+            </a:contourClr>
+          </a:sp3d>
+        </p:spPr>
+      </p:pic>
     </p:spTree>
     <p:extLst>
       <p:ext uri="{BB962C8B-B14F-4D97-AF65-F5344CB8AC3E}">
-        <p14:creationId xmlns:p14="http://schemas.microsoft.com/office/powerpoint/2010/main" val="1910367981"/>
+        <p14:creationId xmlns:p14="http://schemas.microsoft.com/office/powerpoint/2010/main" val="94534269"/>
       </p:ext>
     </p:extLst>
   </p:cSld>
@@ -6103,7 +6426,7 @@
           <p:cNvPr id="2" name="Title 1">
             <a:extLst>
               <a:ext uri="{FF2B5EF4-FFF2-40B4-BE49-F238E27FC236}">
-                <a16:creationId xmlns:a16="http://schemas.microsoft.com/office/drawing/2014/main" id="{C3F06E7B-DC65-4385-AF87-2A39B5B25845}"/>
+                <a16:creationId xmlns:a16="http://schemas.microsoft.com/office/drawing/2014/main" id="{A482C956-3470-428B-8500-AD9D438E6F34}"/>
               </a:ext>
             </a:extLst>
           </p:cNvPr>
@@ -6121,7 +6444,7 @@
           <a:p>
             <a:r>
               <a:rPr lang="en-US" dirty="0"/>
-              <a:t>Preprocessing</a:t>
+              <a:t>SMS Dataset - Overview</a:t>
             </a:r>
           </a:p>
         </p:txBody>
@@ -6131,7 +6454,7 @@
           <p:cNvPr id="3" name="Content Placeholder 2">
             <a:extLst>
               <a:ext uri="{FF2B5EF4-FFF2-40B4-BE49-F238E27FC236}">
-                <a16:creationId xmlns:a16="http://schemas.microsoft.com/office/drawing/2014/main" id="{429A1621-76DC-47C0-8490-DFBC7A700E3A}"/>
+                <a16:creationId xmlns:a16="http://schemas.microsoft.com/office/drawing/2014/main" id="{E0480141-B220-422B-BFD4-895E392B6D32}"/>
               </a:ext>
             </a:extLst>
           </p:cNvPr>
@@ -6149,18 +6472,114 @@
           <a:p>
             <a:r>
               <a:rPr lang="en-US" dirty="0"/>
-              <a:t>Format text to make all lowercase</a:t>
-            </a:r>
-          </a:p>
-          <a:p>
-            <a:endParaRPr lang="en-US" dirty="0"/>
-          </a:p>
-        </p:txBody>
-      </p:sp>
+              <a:t>‘Type’ column</a:t>
+            </a:r>
+          </a:p>
+          <a:p>
+            <a:pPr lvl="1"/>
+            <a:r>
+              <a:rPr lang="en-US" dirty="0"/>
+              <a:t>Spam/Ham label(s)</a:t>
+            </a:r>
+          </a:p>
+          <a:p>
+            <a:r>
+              <a:rPr lang="en-US" dirty="0"/>
+              <a:t>‘Message’ column</a:t>
+            </a:r>
+          </a:p>
+          <a:p>
+            <a:pPr lvl="1"/>
+            <a:r>
+              <a:rPr lang="en-US" dirty="0"/>
+              <a:t>Set of SMS messages</a:t>
+            </a:r>
+          </a:p>
+          <a:p>
+            <a:pPr lvl="1"/>
+            <a:r>
+              <a:rPr lang="en-US" dirty="0"/>
+              <a:t>SMS involve wide range of characters</a:t>
+            </a:r>
+          </a:p>
+          <a:p>
+            <a:r>
+              <a:rPr lang="en-US" dirty="0"/>
+              <a:t>~ 5500 rows</a:t>
+            </a:r>
+          </a:p>
+        </p:txBody>
+      </p:sp>
+      <p:pic>
+        <p:nvPicPr>
+          <p:cNvPr id="7" name="Picture 6" descr="A screenshot of a social media post&#10;&#10;Description automatically generated">
+            <a:extLst>
+              <a:ext uri="{FF2B5EF4-FFF2-40B4-BE49-F238E27FC236}">
+                <a16:creationId xmlns:a16="http://schemas.microsoft.com/office/drawing/2014/main" id="{9D3CBE52-C996-4BED-8F49-141EED683B44}"/>
+              </a:ext>
+            </a:extLst>
+          </p:cNvPr>
+          <p:cNvPicPr>
+            <a:picLocks noChangeAspect="1"/>
+          </p:cNvPicPr>
+          <p:nvPr/>
+        </p:nvPicPr>
+        <p:blipFill>
+          <a:blip r:embed="rId2">
+            <a:extLst>
+              <a:ext uri="{28A0092B-C50C-407E-A947-70E740481C1C}">
+                <a14:useLocalDpi xmlns:a14="http://schemas.microsoft.com/office/drawing/2010/main" val="0"/>
+              </a:ext>
+            </a:extLst>
+          </a:blip>
+          <a:stretch>
+            <a:fillRect/>
+          </a:stretch>
+        </p:blipFill>
+        <p:spPr>
+          <a:xfrm>
+            <a:off x="5276850" y="2633132"/>
+            <a:ext cx="5410200" cy="1870973"/>
+          </a:xfrm>
+          <a:prstGeom prst="rect">
+            <a:avLst/>
+          </a:prstGeom>
+          <a:solidFill>
+            <a:srgbClr val="FFFFFF">
+              <a:shade val="85000"/>
+            </a:srgbClr>
+          </a:solidFill>
+          <a:ln w="88900" cap="sq">
+            <a:solidFill>
+              <a:srgbClr val="FFFFFF"/>
+            </a:solidFill>
+            <a:miter lim="800000"/>
+          </a:ln>
+          <a:effectLst>
+            <a:outerShdw blurRad="55000" dist="18000" dir="5400000" algn="tl" rotWithShape="0">
+              <a:srgbClr val="000000">
+                <a:alpha val="40000"/>
+              </a:srgbClr>
+            </a:outerShdw>
+          </a:effectLst>
+          <a:scene3d>
+            <a:camera prst="orthographicFront"/>
+            <a:lightRig rig="twoPt" dir="t">
+              <a:rot lat="0" lon="0" rev="7200000"/>
+            </a:lightRig>
+          </a:scene3d>
+          <a:sp3d>
+            <a:bevelT w="25400" h="19050"/>
+            <a:contourClr>
+              <a:srgbClr val="FFFFFF"/>
+            </a:contourClr>
+          </a:sp3d>
+        </p:spPr>
+      </p:pic>
     </p:spTree>
     <p:extLst>
       <p:ext uri="{BB962C8B-B14F-4D97-AF65-F5344CB8AC3E}">
-        <p14:creationId xmlns:p14="http://schemas.microsoft.com/office/powerpoint/2010/main" val="3179118310"/>
+        <p14:creationId xmlns:p14="http://schemas.microsoft.com/office/powerpoint/2010/main" val="1910367981"/>
       </p:ext>
     </p:extLst>
   </p:cSld>
@@ -6192,7 +6611,7 @@
           <p:cNvPr id="2" name="Title 1">
             <a:extLst>
               <a:ext uri="{FF2B5EF4-FFF2-40B4-BE49-F238E27FC236}">
-                <a16:creationId xmlns:a16="http://schemas.microsoft.com/office/drawing/2014/main" id="{CCCF6BF2-4D67-456E-B85C-8EDE77DD94E4}"/>
+                <a16:creationId xmlns:a16="http://schemas.microsoft.com/office/drawing/2014/main" id="{0DD8A528-F2D2-459D-9905-21190BE547E7}"/>
               </a:ext>
             </a:extLst>
           </p:cNvPr>
@@ -6210,7 +6629,7 @@
           <a:p>
             <a:r>
               <a:rPr lang="en-US" dirty="0"/>
-              <a:t>Classifiers</a:t>
+              <a:t>Initial Data Analysis</a:t>
             </a:r>
           </a:p>
         </p:txBody>
@@ -6220,7 +6639,7 @@
           <p:cNvPr id="3" name="Content Placeholder 2">
             <a:extLst>
               <a:ext uri="{FF2B5EF4-FFF2-40B4-BE49-F238E27FC236}">
-                <a16:creationId xmlns:a16="http://schemas.microsoft.com/office/drawing/2014/main" id="{1BBCC078-43AA-478C-99FE-BDDA501DA46F}"/>
+                <a16:creationId xmlns:a16="http://schemas.microsoft.com/office/drawing/2014/main" id="{789E21AF-3785-46C4-BEFB-547357EF6949}"/>
               </a:ext>
             </a:extLst>
           </p:cNvPr>
@@ -6236,14 +6655,1978 @@
           <a:bodyPr/>
           <a:lstStyle/>
           <a:p>
-            <a:endParaRPr lang="en-US"/>
-          </a:p>
-        </p:txBody>
-      </p:sp>
+            <a:r>
+              <a:rPr lang="en-US" dirty="0"/>
+              <a:t>General summary of dataset</a:t>
+            </a:r>
+          </a:p>
+          <a:p>
+            <a:pPr lvl="1"/>
+            <a:r>
+              <a:rPr lang="en-US" dirty="0"/>
+              <a:t>Python function – describe()</a:t>
+            </a:r>
+          </a:p>
+          <a:p>
+            <a:r>
+              <a:rPr lang="en-US" dirty="0"/>
+              <a:t>Plot certain counts</a:t>
+            </a:r>
+          </a:p>
+          <a:p>
+            <a:pPr lvl="1"/>
+            <a:r>
+              <a:rPr lang="en-US" dirty="0"/>
+              <a:t>Python function – </a:t>
+            </a:r>
+            <a:r>
+              <a:rPr lang="en-US" dirty="0" err="1"/>
+              <a:t>value_counts</a:t>
+            </a:r>
+            <a:r>
+              <a:rPr lang="en-US" dirty="0"/>
+              <a:t>()</a:t>
+            </a:r>
+          </a:p>
+          <a:p>
+            <a:r>
+              <a:rPr lang="en-US" dirty="0"/>
+              <a:t>Overall, gives us a way to visually</a:t>
+            </a:r>
+          </a:p>
+          <a:p>
+            <a:pPr marL="0" indent="0">
+              <a:buNone/>
+            </a:pPr>
+            <a:r>
+              <a:rPr lang="en-US" dirty="0"/>
+              <a:t>    understand our data</a:t>
+            </a:r>
+          </a:p>
+        </p:txBody>
+      </p:sp>
+      <p:pic>
+        <p:nvPicPr>
+          <p:cNvPr id="5" name="Picture 4">
+            <a:extLst>
+              <a:ext uri="{FF2B5EF4-FFF2-40B4-BE49-F238E27FC236}">
+                <a16:creationId xmlns:a16="http://schemas.microsoft.com/office/drawing/2014/main" id="{CBF35A71-A161-44F5-A018-4BDC3EB3CF87}"/>
+              </a:ext>
+            </a:extLst>
+          </p:cNvPr>
+          <p:cNvPicPr>
+            <a:picLocks noChangeAspect="1"/>
+          </p:cNvPicPr>
+          <p:nvPr/>
+        </p:nvPicPr>
+        <p:blipFill>
+          <a:blip r:embed="rId2"/>
+          <a:stretch>
+            <a:fillRect/>
+          </a:stretch>
+        </p:blipFill>
+        <p:spPr>
+          <a:xfrm>
+            <a:off x="5777716" y="3300139"/>
+            <a:ext cx="5259642" cy="1141052"/>
+          </a:xfrm>
+          <a:prstGeom prst="rect">
+            <a:avLst/>
+          </a:prstGeom>
+          <a:ln>
+            <a:noFill/>
+          </a:ln>
+          <a:effectLst>
+            <a:outerShdw blurRad="292100" dist="139700" dir="2700000" algn="tl" rotWithShape="0">
+              <a:srgbClr val="333333">
+                <a:alpha val="65000"/>
+              </a:srgbClr>
+            </a:outerShdw>
+          </a:effectLst>
+        </p:spPr>
+      </p:pic>
     </p:spTree>
     <p:extLst>
       <p:ext uri="{BB962C8B-B14F-4D97-AF65-F5344CB8AC3E}">
-        <p14:creationId xmlns:p14="http://schemas.microsoft.com/office/powerpoint/2010/main" val="3569260978"/>
+        <p14:creationId xmlns:p14="http://schemas.microsoft.com/office/powerpoint/2010/main" val="864687300"/>
+      </p:ext>
+    </p:extLst>
+  </p:cSld>
+  <p:clrMapOvr>
+    <a:masterClrMapping/>
+  </p:clrMapOvr>
+</p:sld>
+</file>
+
+<file path=ppt/slides/slide5.xml><?xml version="1.0" encoding="utf-8"?>
+<p:sld xmlns:a="http://schemas.openxmlformats.org/drawingml/2006/main" xmlns:r="http://schemas.openxmlformats.org/officeDocument/2006/relationships" xmlns:p="http://schemas.openxmlformats.org/presentationml/2006/main">
+  <p:cSld>
+    <p:bg>
+      <p:bgPr>
+        <a:blipFill>
+          <a:blip r:embed="rId2"/>
+          <a:stretch/>
+        </a:blipFill>
+        <a:effectLst/>
+      </p:bgPr>
+    </p:bg>
+    <p:spTree>
+      <p:nvGrpSpPr>
+        <p:cNvPr id="1" name=""/>
+        <p:cNvGrpSpPr/>
+        <p:nvPr/>
+      </p:nvGrpSpPr>
+      <p:grpSpPr>
+        <a:xfrm>
+          <a:off x="0" y="0"/>
+          <a:ext cx="0" cy="0"/>
+          <a:chOff x="0" y="0"/>
+          <a:chExt cx="0" cy="0"/>
+        </a:xfrm>
+      </p:grpSpPr>
+      <p:sp useBgFill="1">
+        <p:nvSpPr>
+          <p:cNvPr id="20" name="Rectangle 19">
+            <a:extLst>
+              <a:ext uri="{FF2B5EF4-FFF2-40B4-BE49-F238E27FC236}">
+                <a16:creationId xmlns:a16="http://schemas.microsoft.com/office/drawing/2014/main" id="{16F1A1B1-D72D-4219-AE30-3EDB2FD22E54}"/>
+              </a:ext>
+              <a:ext uri="{C183D7F6-B498-43B3-948B-1728B52AA6E4}">
+                <adec:decorative xmlns:adec="http://schemas.microsoft.com/office/drawing/2017/decorative" val="1"/>
+              </a:ext>
+            </a:extLst>
+          </p:cNvPr>
+          <p:cNvSpPr>
+            <a:spLocks noGrp="1" noRot="1" noChangeAspect="1" noMove="1" noResize="1" noEditPoints="1" noAdjustHandles="1" noChangeArrowheads="1" noChangeShapeType="1" noTextEdit="1"/>
+          </p:cNvSpPr>
+          <p:nvPr>
+            <p:extLst>
+              <p:ext uri="{386F3935-93C4-4BCD-93E2-E3B085C9AB24}">
+                <p16:designElem xmlns:p16="http://schemas.microsoft.com/office/powerpoint/2015/main" val="1"/>
+              </p:ext>
+            </p:extLst>
+          </p:nvPr>
+        </p:nvSpPr>
+        <p:spPr>
+          <a:xfrm>
+            <a:off x="0" y="0"/>
+            <a:ext cx="12188952" cy="6858000"/>
+          </a:xfrm>
+          <a:prstGeom prst="rect">
+            <a:avLst/>
+          </a:prstGeom>
+          <a:ln>
+            <a:noFill/>
+          </a:ln>
+        </p:spPr>
+        <p:style>
+          <a:lnRef idx="2">
+            <a:schemeClr val="accent1">
+              <a:shade val="50000"/>
+            </a:schemeClr>
+          </a:lnRef>
+          <a:fillRef idx="1">
+            <a:schemeClr val="accent1"/>
+          </a:fillRef>
+          <a:effectRef idx="0">
+            <a:schemeClr val="accent1"/>
+          </a:effectRef>
+          <a:fontRef idx="minor">
+            <a:schemeClr val="lt1"/>
+          </a:fontRef>
+        </p:style>
+        <p:txBody>
+          <a:bodyPr rtlCol="0" anchor="ctr"/>
+          <a:lstStyle/>
+          <a:p>
+            <a:pPr algn="ctr"/>
+            <a:endParaRPr lang="en-US"/>
+          </a:p>
+        </p:txBody>
+      </p:sp>
+      <p:grpSp>
+        <p:nvGrpSpPr>
+          <p:cNvPr id="22" name="Group 21">
+            <a:extLst>
+              <a:ext uri="{FF2B5EF4-FFF2-40B4-BE49-F238E27FC236}">
+                <a16:creationId xmlns:a16="http://schemas.microsoft.com/office/drawing/2014/main" id="{601FE7BE-30C9-47E1-AA23-7FC5DE0C9D35}"/>
+              </a:ext>
+              <a:ext uri="{C183D7F6-B498-43B3-948B-1728B52AA6E4}">
+                <adec:decorative xmlns:adec="http://schemas.microsoft.com/office/drawing/2017/decorative" val="1"/>
+              </a:ext>
+            </a:extLst>
+          </p:cNvPr>
+          <p:cNvGrpSpPr>
+            <a:grpSpLocks noGrp="1" noUngrp="1" noRot="1" noChangeAspect="1" noMove="1" noResize="1"/>
+          </p:cNvGrpSpPr>
+          <p:nvPr>
+            <p:extLst>
+              <p:ext uri="{386F3935-93C4-4BCD-93E2-E3B085C9AB24}">
+                <p16:designElem xmlns:p16="http://schemas.microsoft.com/office/powerpoint/2015/main" val="1"/>
+              </p:ext>
+            </p:extLst>
+          </p:nvPr>
+        </p:nvGrpSpPr>
+        <p:grpSpPr>
+          <a:xfrm>
+            <a:off x="-15736" y="0"/>
+            <a:ext cx="12229962" cy="6856214"/>
+            <a:chOff x="-15736" y="0"/>
+            <a:chExt cx="12229962" cy="6856214"/>
+          </a:xfrm>
+        </p:grpSpPr>
+        <p:pic>
+          <p:nvPicPr>
+            <p:cNvPr id="17" name="Picture 22">
+              <a:extLst>
+                <a:ext uri="{FF2B5EF4-FFF2-40B4-BE49-F238E27FC236}">
+                  <a16:creationId xmlns:a16="http://schemas.microsoft.com/office/drawing/2014/main" id="{58256DDC-2B46-4CBD-98CD-4843A1D36C09}"/>
+                </a:ext>
+                <a:ext uri="{C183D7F6-B498-43B3-948B-1728B52AA6E4}">
+                  <adec:decorative xmlns:adec="http://schemas.microsoft.com/office/drawing/2017/decorative" val="1"/>
+                </a:ext>
+              </a:extLst>
+            </p:cNvPr>
+            <p:cNvPicPr>
+              <a:picLocks noChangeAspect="1"/>
+            </p:cNvPicPr>
+            <p:nvPr>
+              <p:extLst>
+                <p:ext uri="{386F3935-93C4-4BCD-93E2-E3B085C9AB24}">
+                  <p16:designElem xmlns:p16="http://schemas.microsoft.com/office/powerpoint/2015/main" val="1"/>
+                </p:ext>
+              </p:extLst>
+            </p:nvPr>
+          </p:nvPicPr>
+          <p:blipFill>
+            <a:blip r:embed="rId3">
+              <a:extLst>
+                <a:ext uri="{28A0092B-C50C-407E-A947-70E740481C1C}">
+                  <a14:useLocalDpi xmlns:a14="http://schemas.microsoft.com/office/drawing/2010/main" val="0"/>
+                </a:ext>
+              </a:extLst>
+            </a:blip>
+            <a:stretch>
+              <a:fillRect/>
+            </a:stretch>
+          </p:blipFill>
+          <p:spPr>
+            <a:xfrm>
+              <a:off x="0" y="0"/>
+              <a:ext cx="12188825" cy="6856214"/>
+            </a:xfrm>
+            <a:prstGeom prst="rect">
+              <a:avLst/>
+            </a:prstGeom>
+          </p:spPr>
+        </p:pic>
+        <p:sp>
+          <p:nvSpPr>
+            <p:cNvPr id="18" name="Rectangle 23">
+              <a:extLst>
+                <a:ext uri="{FF2B5EF4-FFF2-40B4-BE49-F238E27FC236}">
+                  <a16:creationId xmlns:a16="http://schemas.microsoft.com/office/drawing/2014/main" id="{AB299BC9-AA13-472C-B2CB-8B1A49F1D1C2}"/>
+                </a:ext>
+                <a:ext uri="{C183D7F6-B498-43B3-948B-1728B52AA6E4}">
+                  <adec:decorative xmlns:adec="http://schemas.microsoft.com/office/drawing/2017/decorative" val="1"/>
+                </a:ext>
+              </a:extLst>
+            </p:cNvPr>
+            <p:cNvSpPr/>
+            <p:nvPr>
+              <p:extLst>
+                <p:ext uri="{386F3935-93C4-4BCD-93E2-E3B085C9AB24}">
+                  <p16:designElem xmlns:p16="http://schemas.microsoft.com/office/powerpoint/2015/main" val="1"/>
+                </p:ext>
+              </p:extLst>
+            </p:nvPr>
+          </p:nvSpPr>
+          <p:spPr>
+            <a:xfrm>
+              <a:off x="608012" y="609600"/>
+              <a:ext cx="10972800" cy="5638800"/>
+            </a:xfrm>
+            <a:prstGeom prst="rect">
+              <a:avLst/>
+            </a:prstGeom>
+            <a:noFill/>
+            <a:ln w="15875" cap="flat">
+              <a:miter lim="800000"/>
+            </a:ln>
+          </p:spPr>
+          <p:style>
+            <a:lnRef idx="1">
+              <a:schemeClr val="accent1"/>
+            </a:lnRef>
+            <a:fillRef idx="3">
+              <a:schemeClr val="accent1"/>
+            </a:fillRef>
+            <a:effectRef idx="2">
+              <a:schemeClr val="accent1"/>
+            </a:effectRef>
+            <a:fontRef idx="minor">
+              <a:schemeClr val="lt1"/>
+            </a:fontRef>
+          </p:style>
+        </p:sp>
+        <p:pic>
+          <p:nvPicPr>
+            <p:cNvPr id="19" name="Picture 24">
+              <a:extLst>
+                <a:ext uri="{FF2B5EF4-FFF2-40B4-BE49-F238E27FC236}">
+                  <a16:creationId xmlns:a16="http://schemas.microsoft.com/office/drawing/2014/main" id="{CCEA125A-C8E0-43E9-A034-878F58FA9887}"/>
+                </a:ext>
+                <a:ext uri="{C183D7F6-B498-43B3-948B-1728B52AA6E4}">
+                  <adec:decorative xmlns:adec="http://schemas.microsoft.com/office/drawing/2017/decorative" val="1"/>
+                </a:ext>
+              </a:extLst>
+            </p:cNvPr>
+            <p:cNvPicPr>
+              <a:picLocks noChangeAspect="1"/>
+            </p:cNvPicPr>
+            <p:nvPr>
+              <p:extLst>
+                <p:ext uri="{386F3935-93C4-4BCD-93E2-E3B085C9AB24}">
+                  <p16:designElem xmlns:p16="http://schemas.microsoft.com/office/powerpoint/2015/main" val="1"/>
+                </p:ext>
+              </p:extLst>
+            </p:nvPr>
+          </p:nvPicPr>
+          <p:blipFill rotWithShape="1">
+            <a:blip r:embed="rId4">
+              <a:extLst>
+                <a:ext uri="{28A0092B-C50C-407E-A947-70E740481C1C}">
+                  <a14:useLocalDpi xmlns:a14="http://schemas.microsoft.com/office/drawing/2010/main" val="0"/>
+                </a:ext>
+              </a:extLst>
+            </a:blip>
+            <a:srcRect/>
+            <a:stretch/>
+          </p:blipFill>
+          <p:spPr>
+            <a:xfrm>
+              <a:off x="-15736" y="3153832"/>
+              <a:ext cx="777240" cy="606425"/>
+            </a:xfrm>
+            <a:prstGeom prst="rect">
+              <a:avLst/>
+            </a:prstGeom>
+          </p:spPr>
+        </p:pic>
+        <p:pic>
+          <p:nvPicPr>
+            <p:cNvPr id="21" name="Picture 25">
+              <a:extLst>
+                <a:ext uri="{FF2B5EF4-FFF2-40B4-BE49-F238E27FC236}">
+                  <a16:creationId xmlns:a16="http://schemas.microsoft.com/office/drawing/2014/main" id="{BC268254-A470-41D9-884E-9DE377E94B97}"/>
+                </a:ext>
+                <a:ext uri="{C183D7F6-B498-43B3-948B-1728B52AA6E4}">
+                  <adec:decorative xmlns:adec="http://schemas.microsoft.com/office/drawing/2017/decorative" val="1"/>
+                </a:ext>
+              </a:extLst>
+            </p:cNvPr>
+            <p:cNvPicPr>
+              <a:picLocks noChangeAspect="1"/>
+            </p:cNvPicPr>
+            <p:nvPr>
+              <p:extLst>
+                <p:ext uri="{386F3935-93C4-4BCD-93E2-E3B085C9AB24}">
+                  <p16:designElem xmlns:p16="http://schemas.microsoft.com/office/powerpoint/2015/main" val="1"/>
+                </p:ext>
+              </p:extLst>
+            </p:nvPr>
+          </p:nvPicPr>
+          <p:blipFill rotWithShape="1">
+            <a:blip r:embed="rId4">
+              <a:extLst>
+                <a:ext uri="{28A0092B-C50C-407E-A947-70E740481C1C}">
+                  <a14:useLocalDpi xmlns:a14="http://schemas.microsoft.com/office/drawing/2010/main" val="0"/>
+                </a:ext>
+              </a:extLst>
+            </a:blip>
+            <a:srcRect/>
+            <a:stretch/>
+          </p:blipFill>
+          <p:spPr>
+            <a:xfrm>
+              <a:off x="11436986" y="3153832"/>
+              <a:ext cx="777240" cy="606425"/>
+            </a:xfrm>
+            <a:prstGeom prst="rect">
+              <a:avLst/>
+            </a:prstGeom>
+          </p:spPr>
+        </p:pic>
+      </p:grpSp>
+      <p:sp>
+        <p:nvSpPr>
+          <p:cNvPr id="2" name="Title 1">
+            <a:extLst>
+              <a:ext uri="{FF2B5EF4-FFF2-40B4-BE49-F238E27FC236}">
+                <a16:creationId xmlns:a16="http://schemas.microsoft.com/office/drawing/2014/main" id="{C3F06E7B-DC65-4385-AF87-2A39B5B25845}"/>
+              </a:ext>
+            </a:extLst>
+          </p:cNvPr>
+          <p:cNvSpPr>
+            <a:spLocks noGrp="1"/>
+          </p:cNvSpPr>
+          <p:nvPr>
+            <p:ph type="title"/>
+          </p:nvPr>
+        </p:nvSpPr>
+        <p:spPr>
+          <a:xfrm>
+            <a:off x="1170564" y="982132"/>
+            <a:ext cx="4667015" cy="1303867"/>
+          </a:xfrm>
+        </p:spPr>
+        <p:txBody>
+          <a:bodyPr>
+            <a:normAutofit/>
+          </a:bodyPr>
+          <a:lstStyle/>
+          <a:p>
+            <a:r>
+              <a:rPr lang="en-US" dirty="0"/>
+              <a:t>Data Preprocessing</a:t>
+            </a:r>
+          </a:p>
+        </p:txBody>
+      </p:sp>
+      <p:cxnSp>
+        <p:nvCxnSpPr>
+          <p:cNvPr id="28" name="Straight Connector 27">
+            <a:extLst>
+              <a:ext uri="{FF2B5EF4-FFF2-40B4-BE49-F238E27FC236}">
+                <a16:creationId xmlns:a16="http://schemas.microsoft.com/office/drawing/2014/main" id="{1F510FDE-DE95-4B70-9D1C-7214BFCC3457}"/>
+              </a:ext>
+              <a:ext uri="{C183D7F6-B498-43B3-948B-1728B52AA6E4}">
+                <adec:decorative xmlns:adec="http://schemas.microsoft.com/office/drawing/2017/decorative" val="1"/>
+              </a:ext>
+            </a:extLst>
+          </p:cNvPr>
+          <p:cNvCxnSpPr>
+            <a:cxnSpLocks noGrp="1" noRot="1" noChangeAspect="1" noMove="1" noResize="1" noEditPoints="1" noAdjustHandles="1" noChangeArrowheads="1" noChangeShapeType="1"/>
+          </p:cNvCxnSpPr>
+          <p:nvPr>
+            <p:extLst>
+              <p:ext uri="{386F3935-93C4-4BCD-93E2-E3B085C9AB24}">
+                <p16:designElem xmlns:p16="http://schemas.microsoft.com/office/powerpoint/2015/main" val="1"/>
+              </p:ext>
+            </p:extLst>
+          </p:nvPr>
+        </p:nvCxnSpPr>
+        <p:spPr>
+          <a:xfrm>
+            <a:off x="1492391" y="2400639"/>
+            <a:ext cx="4023360" cy="0"/>
+          </a:xfrm>
+          <a:prstGeom prst="line">
+            <a:avLst/>
+          </a:prstGeom>
+        </p:spPr>
+        <p:style>
+          <a:lnRef idx="2">
+            <a:schemeClr val="accent1"/>
+          </a:lnRef>
+          <a:fillRef idx="0">
+            <a:schemeClr val="accent1"/>
+          </a:fillRef>
+          <a:effectRef idx="1">
+            <a:schemeClr val="accent1"/>
+          </a:effectRef>
+          <a:fontRef idx="minor">
+            <a:schemeClr val="tx1"/>
+          </a:fontRef>
+        </p:style>
+      </p:cxnSp>
+      <p:sp>
+        <p:nvSpPr>
+          <p:cNvPr id="3" name="Content Placeholder 2">
+            <a:extLst>
+              <a:ext uri="{FF2B5EF4-FFF2-40B4-BE49-F238E27FC236}">
+                <a16:creationId xmlns:a16="http://schemas.microsoft.com/office/drawing/2014/main" id="{429A1621-76DC-47C0-8490-DFBC7A700E3A}"/>
+              </a:ext>
+            </a:extLst>
+          </p:cNvPr>
+          <p:cNvSpPr>
+            <a:spLocks noGrp="1"/>
+          </p:cNvSpPr>
+          <p:nvPr>
+            <p:ph idx="1"/>
+          </p:nvPr>
+        </p:nvSpPr>
+        <p:spPr>
+          <a:xfrm>
+            <a:off x="1167385" y="2556932"/>
+            <a:ext cx="4673373" cy="3318936"/>
+          </a:xfrm>
+        </p:spPr>
+        <p:txBody>
+          <a:bodyPr>
+            <a:normAutofit/>
+          </a:bodyPr>
+          <a:lstStyle/>
+          <a:p>
+            <a:r>
+              <a:rPr lang="en-US" sz="1800" dirty="0"/>
+              <a:t>Format text:</a:t>
+            </a:r>
+          </a:p>
+          <a:p>
+            <a:pPr lvl="1"/>
+            <a:r>
+              <a:rPr lang="en-US" sz="1700" dirty="0"/>
+              <a:t>Remove punctuations</a:t>
+            </a:r>
+          </a:p>
+          <a:p>
+            <a:pPr lvl="1"/>
+            <a:r>
+              <a:rPr lang="en-US" sz="1700" dirty="0"/>
+              <a:t>Convert messages to lowercase</a:t>
+            </a:r>
+          </a:p>
+          <a:p>
+            <a:pPr lvl="1"/>
+            <a:r>
+              <a:rPr lang="en-US" sz="1700" dirty="0"/>
+              <a:t>Remove </a:t>
+            </a:r>
+            <a:r>
+              <a:rPr lang="en-US" sz="1700" dirty="0" err="1"/>
+              <a:t>stopwords</a:t>
+            </a:r>
+            <a:endParaRPr lang="en-US" sz="1700" dirty="0"/>
+          </a:p>
+          <a:p>
+            <a:r>
+              <a:rPr lang="en-US" sz="1800" dirty="0"/>
+              <a:t>Makes data simpler and easier to process</a:t>
+            </a:r>
+          </a:p>
+        </p:txBody>
+      </p:sp>
+      <p:pic>
+        <p:nvPicPr>
+          <p:cNvPr id="13" name="Picture 12" descr="A screenshot of a cell phone&#10;&#10;Description automatically generated">
+            <a:extLst>
+              <a:ext uri="{FF2B5EF4-FFF2-40B4-BE49-F238E27FC236}">
+                <a16:creationId xmlns:a16="http://schemas.microsoft.com/office/drawing/2014/main" id="{F7707780-588A-4AAA-BDB0-B63E7B6C2D52}"/>
+              </a:ext>
+            </a:extLst>
+          </p:cNvPr>
+          <p:cNvPicPr>
+            <a:picLocks noChangeAspect="1"/>
+          </p:cNvPicPr>
+          <p:nvPr/>
+        </p:nvPicPr>
+        <p:blipFill>
+          <a:blip r:embed="rId5">
+            <a:extLst>
+              <a:ext uri="{28A0092B-C50C-407E-A947-70E740481C1C}">
+                <a14:useLocalDpi xmlns:a14="http://schemas.microsoft.com/office/drawing/2010/main" val="0"/>
+              </a:ext>
+            </a:extLst>
+          </a:blip>
+          <a:stretch>
+            <a:fillRect/>
+          </a:stretch>
+        </p:blipFill>
+        <p:spPr>
+          <a:xfrm>
+            <a:off x="5714337" y="1949117"/>
+            <a:ext cx="2695372" cy="1751991"/>
+          </a:xfrm>
+          <a:prstGeom prst="rect">
+            <a:avLst/>
+          </a:prstGeom>
+          <a:solidFill>
+            <a:srgbClr val="FFFFFF">
+              <a:shade val="85000"/>
+            </a:srgbClr>
+          </a:solidFill>
+          <a:ln w="88900" cap="sq">
+            <a:solidFill>
+              <a:srgbClr val="FFFFFF"/>
+            </a:solidFill>
+            <a:miter lim="800000"/>
+          </a:ln>
+          <a:effectLst>
+            <a:outerShdw blurRad="55000" dist="18000" dir="5400000" algn="tl" rotWithShape="0">
+              <a:srgbClr val="000000">
+                <a:alpha val="40000"/>
+              </a:srgbClr>
+            </a:outerShdw>
+          </a:effectLst>
+          <a:scene3d>
+            <a:camera prst="orthographicFront"/>
+            <a:lightRig rig="twoPt" dir="t">
+              <a:rot lat="0" lon="0" rev="7200000"/>
+            </a:lightRig>
+          </a:scene3d>
+          <a:sp3d>
+            <a:bevelT w="25400" h="19050"/>
+            <a:contourClr>
+              <a:srgbClr val="FFFFFF"/>
+            </a:contourClr>
+          </a:sp3d>
+        </p:spPr>
+      </p:pic>
+      <p:pic>
+        <p:nvPicPr>
+          <p:cNvPr id="15" name="Picture 14" descr="A screenshot of a cell phone&#10;&#10;Description automatically generated">
+            <a:extLst>
+              <a:ext uri="{FF2B5EF4-FFF2-40B4-BE49-F238E27FC236}">
+                <a16:creationId xmlns:a16="http://schemas.microsoft.com/office/drawing/2014/main" id="{15CA3CC5-D951-4651-A874-F984E144F45A}"/>
+              </a:ext>
+            </a:extLst>
+          </p:cNvPr>
+          <p:cNvPicPr>
+            <a:picLocks noChangeAspect="1"/>
+          </p:cNvPicPr>
+          <p:nvPr/>
+        </p:nvPicPr>
+        <p:blipFill>
+          <a:blip r:embed="rId6">
+            <a:extLst>
+              <a:ext uri="{28A0092B-C50C-407E-A947-70E740481C1C}">
+                <a14:useLocalDpi xmlns:a14="http://schemas.microsoft.com/office/drawing/2010/main" val="0"/>
+              </a:ext>
+            </a:extLst>
+          </a:blip>
+          <a:stretch>
+            <a:fillRect/>
+          </a:stretch>
+        </p:blipFill>
+        <p:spPr>
+          <a:xfrm>
+            <a:off x="5276736" y="3867042"/>
+            <a:ext cx="3209320" cy="2009719"/>
+          </a:xfrm>
+          <a:prstGeom prst="rect">
+            <a:avLst/>
+          </a:prstGeom>
+          <a:solidFill>
+            <a:srgbClr val="FFFFFF">
+              <a:shade val="85000"/>
+            </a:srgbClr>
+          </a:solidFill>
+          <a:ln w="88900" cap="sq">
+            <a:solidFill>
+              <a:srgbClr val="FFFFFF"/>
+            </a:solidFill>
+            <a:miter lim="800000"/>
+          </a:ln>
+          <a:effectLst>
+            <a:outerShdw blurRad="55000" dist="18000" dir="5400000" algn="tl" rotWithShape="0">
+              <a:srgbClr val="000000">
+                <a:alpha val="40000"/>
+              </a:srgbClr>
+            </a:outerShdw>
+          </a:effectLst>
+          <a:scene3d>
+            <a:camera prst="orthographicFront"/>
+            <a:lightRig rig="twoPt" dir="t">
+              <a:rot lat="0" lon="0" rev="7200000"/>
+            </a:lightRig>
+          </a:scene3d>
+          <a:sp3d>
+            <a:bevelT w="25400" h="19050"/>
+            <a:contourClr>
+              <a:srgbClr val="FFFFFF"/>
+            </a:contourClr>
+          </a:sp3d>
+        </p:spPr>
+      </p:pic>
+      <p:pic>
+        <p:nvPicPr>
+          <p:cNvPr id="5" name="Picture 4" descr="A screenshot of a cell phone&#10;&#10;Description automatically generated">
+            <a:extLst>
+              <a:ext uri="{FF2B5EF4-FFF2-40B4-BE49-F238E27FC236}">
+                <a16:creationId xmlns:a16="http://schemas.microsoft.com/office/drawing/2014/main" id="{899B8423-58B2-447F-92EB-49610B1F4004}"/>
+              </a:ext>
+            </a:extLst>
+          </p:cNvPr>
+          <p:cNvPicPr>
+            <a:picLocks noChangeAspect="1"/>
+          </p:cNvPicPr>
+          <p:nvPr/>
+        </p:nvPicPr>
+        <p:blipFill>
+          <a:blip r:embed="rId7">
+            <a:extLst>
+              <a:ext uri="{28A0092B-C50C-407E-A947-70E740481C1C}">
+                <a14:useLocalDpi xmlns:a14="http://schemas.microsoft.com/office/drawing/2010/main" val="0"/>
+              </a:ext>
+            </a:extLst>
+          </a:blip>
+          <a:stretch>
+            <a:fillRect/>
+          </a:stretch>
+        </p:blipFill>
+        <p:spPr>
+          <a:xfrm>
+            <a:off x="8652594" y="2363917"/>
+            <a:ext cx="2695371" cy="1953971"/>
+          </a:xfrm>
+          <a:prstGeom prst="rect">
+            <a:avLst/>
+          </a:prstGeom>
+          <a:solidFill>
+            <a:srgbClr val="FFFFFF">
+              <a:shade val="85000"/>
+            </a:srgbClr>
+          </a:solidFill>
+          <a:ln w="88900" cap="sq">
+            <a:solidFill>
+              <a:srgbClr val="FFFFFF"/>
+            </a:solidFill>
+            <a:miter lim="800000"/>
+          </a:ln>
+          <a:effectLst>
+            <a:outerShdw blurRad="55000" dist="18000" dir="5400000" algn="tl" rotWithShape="0">
+              <a:srgbClr val="000000">
+                <a:alpha val="40000"/>
+              </a:srgbClr>
+            </a:outerShdw>
+          </a:effectLst>
+          <a:scene3d>
+            <a:camera prst="orthographicFront"/>
+            <a:lightRig rig="twoPt" dir="t">
+              <a:rot lat="0" lon="0" rev="7200000"/>
+            </a:lightRig>
+          </a:scene3d>
+          <a:sp3d>
+            <a:bevelT w="25400" h="19050"/>
+            <a:contourClr>
+              <a:srgbClr val="FFFFFF"/>
+            </a:contourClr>
+          </a:sp3d>
+        </p:spPr>
+      </p:pic>
+    </p:spTree>
+    <p:extLst>
+      <p:ext uri="{BB962C8B-B14F-4D97-AF65-F5344CB8AC3E}">
+        <p14:creationId xmlns:p14="http://schemas.microsoft.com/office/powerpoint/2010/main" val="3179118310"/>
+      </p:ext>
+    </p:extLst>
+  </p:cSld>
+  <p:clrMapOvr>
+    <a:masterClrMapping/>
+  </p:clrMapOvr>
+</p:sld>
+</file>
+
+<file path=ppt/slides/slide6.xml><?xml version="1.0" encoding="utf-8"?>
+<p:sld xmlns:a="http://schemas.openxmlformats.org/drawingml/2006/main" xmlns:r="http://schemas.openxmlformats.org/officeDocument/2006/relationships" xmlns:p="http://schemas.openxmlformats.org/presentationml/2006/main">
+  <p:cSld>
+    <p:spTree>
+      <p:nvGrpSpPr>
+        <p:cNvPr id="1" name=""/>
+        <p:cNvGrpSpPr/>
+        <p:nvPr/>
+      </p:nvGrpSpPr>
+      <p:grpSpPr>
+        <a:xfrm>
+          <a:off x="0" y="0"/>
+          <a:ext cx="0" cy="0"/>
+          <a:chOff x="0" y="0"/>
+          <a:chExt cx="0" cy="0"/>
+        </a:xfrm>
+      </p:grpSpPr>
+      <p:sp>
+        <p:nvSpPr>
+          <p:cNvPr id="2" name="Title 1">
+            <a:extLst>
+              <a:ext uri="{FF2B5EF4-FFF2-40B4-BE49-F238E27FC236}">
+                <a16:creationId xmlns:a16="http://schemas.microsoft.com/office/drawing/2014/main" id="{5075E50C-7390-4674-87EF-271A1949D6A0}"/>
+              </a:ext>
+            </a:extLst>
+          </p:cNvPr>
+          <p:cNvSpPr>
+            <a:spLocks noGrp="1"/>
+          </p:cNvSpPr>
+          <p:nvPr>
+            <p:ph type="title"/>
+          </p:nvPr>
+        </p:nvSpPr>
+        <p:spPr/>
+        <p:txBody>
+          <a:bodyPr/>
+          <a:lstStyle/>
+          <a:p>
+            <a:r>
+              <a:rPr lang="en-US" dirty="0"/>
+              <a:t>Data Processing</a:t>
+            </a:r>
+          </a:p>
+        </p:txBody>
+      </p:sp>
+      <p:sp>
+        <p:nvSpPr>
+          <p:cNvPr id="3" name="Content Placeholder 2">
+            <a:extLst>
+              <a:ext uri="{FF2B5EF4-FFF2-40B4-BE49-F238E27FC236}">
+                <a16:creationId xmlns:a16="http://schemas.microsoft.com/office/drawing/2014/main" id="{B2FB42A4-8C5E-498E-B809-584916F28F8D}"/>
+              </a:ext>
+            </a:extLst>
+          </p:cNvPr>
+          <p:cNvSpPr>
+            <a:spLocks noGrp="1"/>
+          </p:cNvSpPr>
+          <p:nvPr>
+            <p:ph idx="1"/>
+          </p:nvPr>
+        </p:nvSpPr>
+        <p:spPr/>
+        <p:txBody>
+          <a:bodyPr>
+            <a:normAutofit fontScale="92500" lnSpcReduction="10000"/>
+          </a:bodyPr>
+          <a:lstStyle/>
+          <a:p>
+            <a:r>
+              <a:rPr lang="en-US" dirty="0"/>
+              <a:t>Format dataset:</a:t>
+            </a:r>
+          </a:p>
+          <a:p>
+            <a:pPr lvl="1"/>
+            <a:r>
+              <a:rPr lang="en-US" sz="1900" dirty="0"/>
+              <a:t>Update CSV with processed messages</a:t>
+            </a:r>
+          </a:p>
+          <a:p>
+            <a:pPr lvl="1"/>
+            <a:r>
+              <a:rPr lang="en-US" sz="1900" dirty="0"/>
+              <a:t>Compare lengths (before and after processing)</a:t>
+            </a:r>
+          </a:p>
+          <a:p>
+            <a:r>
+              <a:rPr lang="en-US" dirty="0"/>
+              <a:t>Split data – </a:t>
+            </a:r>
+            <a:r>
+              <a:rPr lang="en-US" dirty="0" err="1"/>
+              <a:t>train_test_split</a:t>
+            </a:r>
+            <a:r>
+              <a:rPr lang="en-US" dirty="0"/>
+              <a:t>()</a:t>
+            </a:r>
+          </a:p>
+          <a:p>
+            <a:pPr lvl="1"/>
+            <a:r>
+              <a:rPr lang="en-US" dirty="0"/>
+              <a:t> Processed messages</a:t>
+            </a:r>
+          </a:p>
+          <a:p>
+            <a:pPr lvl="2"/>
+            <a:r>
+              <a:rPr lang="en-US" sz="1900" dirty="0" err="1"/>
+              <a:t>x_train</a:t>
+            </a:r>
+            <a:r>
+              <a:rPr lang="en-US" sz="1900" dirty="0"/>
+              <a:t> and </a:t>
+            </a:r>
+            <a:r>
+              <a:rPr lang="en-US" sz="1900" dirty="0" err="1"/>
+              <a:t>x_test</a:t>
+            </a:r>
+            <a:r>
+              <a:rPr lang="en-US" sz="1900" dirty="0"/>
+              <a:t> (Features)</a:t>
+            </a:r>
+          </a:p>
+          <a:p>
+            <a:pPr lvl="1"/>
+            <a:r>
+              <a:rPr lang="en-US" dirty="0"/>
+              <a:t>Type (Spam/Ham)</a:t>
+            </a:r>
+          </a:p>
+          <a:p>
+            <a:pPr lvl="2"/>
+            <a:r>
+              <a:rPr lang="en-US" sz="1900" dirty="0" err="1"/>
+              <a:t>y_train</a:t>
+            </a:r>
+            <a:r>
+              <a:rPr lang="en-US" sz="1900" dirty="0"/>
+              <a:t> and </a:t>
+            </a:r>
+            <a:r>
+              <a:rPr lang="en-US" sz="1900" dirty="0" err="1"/>
+              <a:t>y_test</a:t>
+            </a:r>
+            <a:r>
+              <a:rPr lang="en-US" sz="1900" dirty="0"/>
+              <a:t> (Labels)</a:t>
+            </a:r>
+          </a:p>
+        </p:txBody>
+      </p:sp>
+      <p:pic>
+        <p:nvPicPr>
+          <p:cNvPr id="4" name="Picture 3">
+            <a:extLst>
+              <a:ext uri="{FF2B5EF4-FFF2-40B4-BE49-F238E27FC236}">
+                <a16:creationId xmlns:a16="http://schemas.microsoft.com/office/drawing/2014/main" id="{C8B58BFC-6AC3-4471-8B69-798211832071}"/>
+              </a:ext>
+            </a:extLst>
+          </p:cNvPr>
+          <p:cNvPicPr>
+            <a:picLocks noChangeAspect="1"/>
+          </p:cNvPicPr>
+          <p:nvPr/>
+        </p:nvPicPr>
+        <p:blipFill>
+          <a:blip r:embed="rId2"/>
+          <a:stretch>
+            <a:fillRect/>
+          </a:stretch>
+        </p:blipFill>
+        <p:spPr>
+          <a:xfrm>
+            <a:off x="6042849" y="4791933"/>
+            <a:ext cx="4483034" cy="960003"/>
+          </a:xfrm>
+          <a:prstGeom prst="rect">
+            <a:avLst/>
+          </a:prstGeom>
+        </p:spPr>
+      </p:pic>
+      <p:pic>
+        <p:nvPicPr>
+          <p:cNvPr id="5" name="Picture 4">
+            <a:extLst>
+              <a:ext uri="{FF2B5EF4-FFF2-40B4-BE49-F238E27FC236}">
+                <a16:creationId xmlns:a16="http://schemas.microsoft.com/office/drawing/2014/main" id="{0C0B32EE-9F2D-44D3-8051-40FDF4B7CB7F}"/>
+              </a:ext>
+            </a:extLst>
+          </p:cNvPr>
+          <p:cNvPicPr>
+            <a:picLocks noChangeAspect="1"/>
+          </p:cNvPicPr>
+          <p:nvPr/>
+        </p:nvPicPr>
+        <p:blipFill>
+          <a:blip r:embed="rId3"/>
+          <a:stretch>
+            <a:fillRect/>
+          </a:stretch>
+        </p:blipFill>
+        <p:spPr>
+          <a:xfrm>
+            <a:off x="5846637" y="4235397"/>
+            <a:ext cx="5489878" cy="673211"/>
+          </a:xfrm>
+          <a:prstGeom prst="rect">
+            <a:avLst/>
+          </a:prstGeom>
+        </p:spPr>
+      </p:pic>
+    </p:spTree>
+    <p:extLst>
+      <p:ext uri="{BB962C8B-B14F-4D97-AF65-F5344CB8AC3E}">
+        <p14:creationId xmlns:p14="http://schemas.microsoft.com/office/powerpoint/2010/main" val="4142659882"/>
+      </p:ext>
+    </p:extLst>
+  </p:cSld>
+  <p:clrMapOvr>
+    <a:masterClrMapping/>
+  </p:clrMapOvr>
+</p:sld>
+</file>
+
+<file path=ppt/slides/slide7.xml><?xml version="1.0" encoding="utf-8"?>
+<p:sld xmlns:a="http://schemas.openxmlformats.org/drawingml/2006/main" xmlns:r="http://schemas.openxmlformats.org/officeDocument/2006/relationships" xmlns:p="http://schemas.openxmlformats.org/presentationml/2006/main">
+  <p:cSld>
+    <p:spTree>
+      <p:nvGrpSpPr>
+        <p:cNvPr id="1" name=""/>
+        <p:cNvGrpSpPr/>
+        <p:nvPr/>
+      </p:nvGrpSpPr>
+      <p:grpSpPr>
+        <a:xfrm>
+          <a:off x="0" y="0"/>
+          <a:ext cx="0" cy="0"/>
+          <a:chOff x="0" y="0"/>
+          <a:chExt cx="0" cy="0"/>
+        </a:xfrm>
+      </p:grpSpPr>
+      <p:sp>
+        <p:nvSpPr>
+          <p:cNvPr id="2" name="Title 1">
+            <a:extLst>
+              <a:ext uri="{FF2B5EF4-FFF2-40B4-BE49-F238E27FC236}">
+                <a16:creationId xmlns:a16="http://schemas.microsoft.com/office/drawing/2014/main" id="{9C4B2D47-EBF3-44F5-ADF5-9C295DB4ED90}"/>
+              </a:ext>
+            </a:extLst>
+          </p:cNvPr>
+          <p:cNvSpPr>
+            <a:spLocks noGrp="1"/>
+          </p:cNvSpPr>
+          <p:nvPr>
+            <p:ph type="title"/>
+          </p:nvPr>
+        </p:nvSpPr>
+        <p:spPr/>
+        <p:txBody>
+          <a:bodyPr/>
+          <a:lstStyle/>
+          <a:p>
+            <a:r>
+              <a:rPr lang="en-US" dirty="0"/>
+              <a:t>Classification</a:t>
+            </a:r>
+          </a:p>
+        </p:txBody>
+      </p:sp>
+      <p:sp>
+        <p:nvSpPr>
+          <p:cNvPr id="3" name="Content Placeholder 2">
+            <a:extLst>
+              <a:ext uri="{FF2B5EF4-FFF2-40B4-BE49-F238E27FC236}">
+                <a16:creationId xmlns:a16="http://schemas.microsoft.com/office/drawing/2014/main" id="{0DB6DB5F-3590-41BC-BD7D-7321D245A594}"/>
+              </a:ext>
+            </a:extLst>
+          </p:cNvPr>
+          <p:cNvSpPr>
+            <a:spLocks noGrp="1"/>
+          </p:cNvSpPr>
+          <p:nvPr>
+            <p:ph idx="1"/>
+          </p:nvPr>
+        </p:nvSpPr>
+        <p:spPr/>
+        <p:txBody>
+          <a:bodyPr/>
+          <a:lstStyle/>
+          <a:p>
+            <a:r>
+              <a:rPr lang="en-US" dirty="0" err="1"/>
+              <a:t>kNN</a:t>
+            </a:r>
+            <a:r>
+              <a:rPr lang="en-US" dirty="0"/>
+              <a:t> Classifier</a:t>
+            </a:r>
+          </a:p>
+          <a:p>
+            <a:r>
+              <a:rPr lang="en-US" dirty="0"/>
+              <a:t>Predict using k neighbors (k = 10, 100, 1000…)</a:t>
+            </a:r>
+          </a:p>
+          <a:p>
+            <a:r>
+              <a:rPr lang="en-US" dirty="0"/>
+              <a:t>From </a:t>
+            </a:r>
+            <a:r>
+              <a:rPr lang="en-US" dirty="0" err="1"/>
+              <a:t>kNN</a:t>
+            </a:r>
+            <a:r>
+              <a:rPr lang="en-US" dirty="0"/>
+              <a:t>, we got:</a:t>
+            </a:r>
+          </a:p>
+          <a:p>
+            <a:pPr lvl="1"/>
+            <a:r>
+              <a:rPr lang="en-US" dirty="0"/>
+              <a:t>Accuracy Score</a:t>
+            </a:r>
+          </a:p>
+          <a:p>
+            <a:pPr lvl="1"/>
+            <a:r>
+              <a:rPr lang="en-US" dirty="0"/>
+              <a:t>Classification Report</a:t>
+            </a:r>
+          </a:p>
+          <a:p>
+            <a:pPr lvl="1"/>
+            <a:r>
+              <a:rPr lang="en-US" dirty="0"/>
+              <a:t>Confusion Matrix</a:t>
+            </a:r>
+          </a:p>
+        </p:txBody>
+      </p:sp>
+      <p:pic>
+        <p:nvPicPr>
+          <p:cNvPr id="4" name="Picture 3">
+            <a:extLst>
+              <a:ext uri="{FF2B5EF4-FFF2-40B4-BE49-F238E27FC236}">
+                <a16:creationId xmlns:a16="http://schemas.microsoft.com/office/drawing/2014/main" id="{C1EA5533-F7B3-44DD-8574-0891E5F9AEA7}"/>
+              </a:ext>
+            </a:extLst>
+          </p:cNvPr>
+          <p:cNvPicPr>
+            <a:picLocks noChangeAspect="1"/>
+          </p:cNvPicPr>
+          <p:nvPr/>
+        </p:nvPicPr>
+        <p:blipFill>
+          <a:blip r:embed="rId2"/>
+          <a:stretch>
+            <a:fillRect/>
+          </a:stretch>
+        </p:blipFill>
+        <p:spPr>
+          <a:xfrm>
+            <a:off x="6619483" y="3667125"/>
+            <a:ext cx="4105664" cy="2208743"/>
+          </a:xfrm>
+          <a:prstGeom prst="rect">
+            <a:avLst/>
+          </a:prstGeom>
+          <a:solidFill>
+            <a:srgbClr val="FFFFFF">
+              <a:shade val="85000"/>
+            </a:srgbClr>
+          </a:solidFill>
+          <a:ln w="88900" cap="sq">
+            <a:solidFill>
+              <a:srgbClr val="FFFFFF"/>
+            </a:solidFill>
+            <a:miter lim="800000"/>
+          </a:ln>
+          <a:effectLst>
+            <a:outerShdw blurRad="55000" dist="18000" dir="5400000" algn="tl" rotWithShape="0">
+              <a:srgbClr val="000000">
+                <a:alpha val="40000"/>
+              </a:srgbClr>
+            </a:outerShdw>
+          </a:effectLst>
+          <a:scene3d>
+            <a:camera prst="orthographicFront"/>
+            <a:lightRig rig="twoPt" dir="t">
+              <a:rot lat="0" lon="0" rev="7200000"/>
+            </a:lightRig>
+          </a:scene3d>
+          <a:sp3d>
+            <a:bevelT w="25400" h="19050"/>
+            <a:contourClr>
+              <a:srgbClr val="FFFFFF"/>
+            </a:contourClr>
+          </a:sp3d>
+        </p:spPr>
+      </p:pic>
+    </p:spTree>
+    <p:extLst>
+      <p:ext uri="{BB962C8B-B14F-4D97-AF65-F5344CB8AC3E}">
+        <p14:creationId xmlns:p14="http://schemas.microsoft.com/office/powerpoint/2010/main" val="2250854096"/>
+      </p:ext>
+    </p:extLst>
+  </p:cSld>
+  <p:clrMapOvr>
+    <a:masterClrMapping/>
+  </p:clrMapOvr>
+</p:sld>
+</file>
+
+<file path=ppt/slides/slide8.xml><?xml version="1.0" encoding="utf-8"?>
+<p:sld xmlns:a="http://schemas.openxmlformats.org/drawingml/2006/main" xmlns:r="http://schemas.openxmlformats.org/officeDocument/2006/relationships" xmlns:p="http://schemas.openxmlformats.org/presentationml/2006/main">
+  <p:cSld>
+    <p:bg>
+      <p:bgPr>
+        <a:blipFill>
+          <a:blip r:embed="rId2"/>
+          <a:stretch/>
+        </a:blipFill>
+        <a:effectLst/>
+      </p:bgPr>
+    </p:bg>
+    <p:spTree>
+      <p:nvGrpSpPr>
+        <p:cNvPr id="1" name=""/>
+        <p:cNvGrpSpPr/>
+        <p:nvPr/>
+      </p:nvGrpSpPr>
+      <p:grpSpPr>
+        <a:xfrm>
+          <a:off x="0" y="0"/>
+          <a:ext cx="0" cy="0"/>
+          <a:chOff x="0" y="0"/>
+          <a:chExt cx="0" cy="0"/>
+        </a:xfrm>
+      </p:grpSpPr>
+      <p:grpSp>
+        <p:nvGrpSpPr>
+          <p:cNvPr id="9" name="Group 8">
+            <a:extLst>
+              <a:ext uri="{FF2B5EF4-FFF2-40B4-BE49-F238E27FC236}">
+                <a16:creationId xmlns:a16="http://schemas.microsoft.com/office/drawing/2014/main" id="{749C117F-F390-437B-ADB0-57E87EFF34F5}"/>
+              </a:ext>
+              <a:ext uri="{C183D7F6-B498-43B3-948B-1728B52AA6E4}">
+                <adec:decorative xmlns:adec="http://schemas.microsoft.com/office/drawing/2017/decorative" val="1"/>
+              </a:ext>
+            </a:extLst>
+          </p:cNvPr>
+          <p:cNvGrpSpPr>
+            <a:grpSpLocks noGrp="1" noUngrp="1" noRot="1" noChangeAspect="1" noMove="1" noResize="1"/>
+          </p:cNvGrpSpPr>
+          <p:nvPr>
+            <p:extLst>
+              <p:ext uri="{386F3935-93C4-4BCD-93E2-E3B085C9AB24}">
+                <p16:designElem xmlns:p16="http://schemas.microsoft.com/office/powerpoint/2015/main" val="1"/>
+              </p:ext>
+            </p:extLst>
+          </p:nvPr>
+        </p:nvGrpSpPr>
+        <p:grpSpPr>
+          <a:xfrm>
+            <a:off x="-16934" y="0"/>
+            <a:ext cx="12231160" cy="6856214"/>
+            <a:chOff x="-16934" y="0"/>
+            <a:chExt cx="12231160" cy="6856214"/>
+          </a:xfrm>
+        </p:grpSpPr>
+        <p:pic>
+          <p:nvPicPr>
+            <p:cNvPr id="10" name="Picture 9">
+              <a:extLst>
+                <a:ext uri="{FF2B5EF4-FFF2-40B4-BE49-F238E27FC236}">
+                  <a16:creationId xmlns:a16="http://schemas.microsoft.com/office/drawing/2014/main" id="{A7EF42F8-2417-49A6-95CE-DE9503B0AA66}"/>
+                </a:ext>
+                <a:ext uri="{C183D7F6-B498-43B3-948B-1728B52AA6E4}">
+                  <adec:decorative xmlns:adec="http://schemas.microsoft.com/office/drawing/2017/decorative" val="1"/>
+                </a:ext>
+              </a:extLst>
+            </p:cNvPr>
+            <p:cNvPicPr>
+              <a:picLocks noChangeAspect="1"/>
+            </p:cNvPicPr>
+            <p:nvPr>
+              <p:extLst>
+                <p:ext uri="{386F3935-93C4-4BCD-93E2-E3B085C9AB24}">
+                  <p16:designElem xmlns:p16="http://schemas.microsoft.com/office/powerpoint/2015/main" val="1"/>
+                </p:ext>
+              </p:extLst>
+            </p:nvPr>
+          </p:nvPicPr>
+          <p:blipFill>
+            <a:blip r:embed="rId3">
+              <a:extLst>
+                <a:ext uri="{28A0092B-C50C-407E-A947-70E740481C1C}">
+                  <a14:useLocalDpi xmlns:a14="http://schemas.microsoft.com/office/drawing/2010/main" val="0"/>
+                </a:ext>
+              </a:extLst>
+            </a:blip>
+            <a:stretch>
+              <a:fillRect/>
+            </a:stretch>
+          </p:blipFill>
+          <p:spPr>
+            <a:xfrm>
+              <a:off x="0" y="0"/>
+              <a:ext cx="12188825" cy="6856214"/>
+            </a:xfrm>
+            <a:prstGeom prst="rect">
+              <a:avLst/>
+            </a:prstGeom>
+          </p:spPr>
+        </p:pic>
+        <p:sp>
+          <p:nvSpPr>
+            <p:cNvPr id="11" name="Rectangle 10">
+              <a:extLst>
+                <a:ext uri="{FF2B5EF4-FFF2-40B4-BE49-F238E27FC236}">
+                  <a16:creationId xmlns:a16="http://schemas.microsoft.com/office/drawing/2014/main" id="{AC6F623B-2003-4AED-B02F-541A150EC143}"/>
+                </a:ext>
+                <a:ext uri="{C183D7F6-B498-43B3-948B-1728B52AA6E4}">
+                  <adec:decorative xmlns:adec="http://schemas.microsoft.com/office/drawing/2017/decorative" val="1"/>
+                </a:ext>
+              </a:extLst>
+            </p:cNvPr>
+            <p:cNvSpPr/>
+            <p:nvPr>
+              <p:extLst>
+                <p:ext uri="{386F3935-93C4-4BCD-93E2-E3B085C9AB24}">
+                  <p16:designElem xmlns:p16="http://schemas.microsoft.com/office/powerpoint/2015/main" val="1"/>
+                </p:ext>
+              </p:extLst>
+            </p:nvPr>
+          </p:nvSpPr>
+          <p:spPr>
+            <a:xfrm>
+              <a:off x="2328332" y="1540931"/>
+              <a:ext cx="7543802" cy="3835401"/>
+            </a:xfrm>
+            <a:prstGeom prst="rect">
+              <a:avLst/>
+            </a:prstGeom>
+            <a:noFill/>
+            <a:ln w="15875">
+              <a:miter lim="800000"/>
+            </a:ln>
+          </p:spPr>
+          <p:style>
+            <a:lnRef idx="1">
+              <a:schemeClr val="accent1"/>
+            </a:lnRef>
+            <a:fillRef idx="3">
+              <a:schemeClr val="accent1"/>
+            </a:fillRef>
+            <a:effectRef idx="2">
+              <a:schemeClr val="accent1"/>
+            </a:effectRef>
+            <a:fontRef idx="minor">
+              <a:schemeClr val="lt1"/>
+            </a:fontRef>
+          </p:style>
+        </p:sp>
+        <p:pic>
+          <p:nvPicPr>
+            <p:cNvPr id="12" name="Picture 11">
+              <a:extLst>
+                <a:ext uri="{FF2B5EF4-FFF2-40B4-BE49-F238E27FC236}">
+                  <a16:creationId xmlns:a16="http://schemas.microsoft.com/office/drawing/2014/main" id="{CD11837A-4F3D-419F-ACE2-E80B1EA2846F}"/>
+                </a:ext>
+                <a:ext uri="{C183D7F6-B498-43B3-948B-1728B52AA6E4}">
+                  <adec:decorative xmlns:adec="http://schemas.microsoft.com/office/drawing/2017/decorative" val="1"/>
+                </a:ext>
+              </a:extLst>
+            </p:cNvPr>
+            <p:cNvPicPr>
+              <a:picLocks noChangeAspect="1"/>
+            </p:cNvPicPr>
+            <p:nvPr>
+              <p:extLst>
+                <p:ext uri="{386F3935-93C4-4BCD-93E2-E3B085C9AB24}">
+                  <p16:designElem xmlns:p16="http://schemas.microsoft.com/office/powerpoint/2015/main" val="1"/>
+                </p:ext>
+              </p:extLst>
+            </p:nvPr>
+          </p:nvPicPr>
+          <p:blipFill rotWithShape="1">
+            <a:blip r:embed="rId4">
+              <a:extLst>
+                <a:ext uri="{28A0092B-C50C-407E-A947-70E740481C1C}">
+                  <a14:useLocalDpi xmlns:a14="http://schemas.microsoft.com/office/drawing/2010/main" val="0"/>
+                </a:ext>
+              </a:extLst>
+            </a:blip>
+            <a:srcRect/>
+            <a:stretch/>
+          </p:blipFill>
+          <p:spPr>
+            <a:xfrm>
+              <a:off x="-16934" y="3147609"/>
+              <a:ext cx="2478024" cy="612648"/>
+            </a:xfrm>
+            <a:prstGeom prst="rect">
+              <a:avLst/>
+            </a:prstGeom>
+          </p:spPr>
+        </p:pic>
+        <p:pic>
+          <p:nvPicPr>
+            <p:cNvPr id="13" name="Picture 12">
+              <a:extLst>
+                <a:ext uri="{FF2B5EF4-FFF2-40B4-BE49-F238E27FC236}">
+                  <a16:creationId xmlns:a16="http://schemas.microsoft.com/office/drawing/2014/main" id="{B9411D1A-7E2C-4A36-BE32-BF7A8E130723}"/>
+                </a:ext>
+                <a:ext uri="{C183D7F6-B498-43B3-948B-1728B52AA6E4}">
+                  <adec:decorative xmlns:adec="http://schemas.microsoft.com/office/drawing/2017/decorative" val="1"/>
+                </a:ext>
+              </a:extLst>
+            </p:cNvPr>
+            <p:cNvPicPr>
+              <a:picLocks noChangeAspect="1"/>
+            </p:cNvPicPr>
+            <p:nvPr>
+              <p:extLst>
+                <p:ext uri="{386F3935-93C4-4BCD-93E2-E3B085C9AB24}">
+                  <p16:designElem xmlns:p16="http://schemas.microsoft.com/office/powerpoint/2015/main" val="1"/>
+                </p:ext>
+              </p:extLst>
+            </p:nvPr>
+          </p:nvPicPr>
+          <p:blipFill rotWithShape="1">
+            <a:blip r:embed="rId4">
+              <a:extLst>
+                <a:ext uri="{28A0092B-C50C-407E-A947-70E740481C1C}">
+                  <a14:useLocalDpi xmlns:a14="http://schemas.microsoft.com/office/drawing/2010/main" val="0"/>
+                </a:ext>
+              </a:extLst>
+            </a:blip>
+            <a:srcRect/>
+            <a:stretch/>
+          </p:blipFill>
+          <p:spPr>
+            <a:xfrm>
+              <a:off x="9736202" y="3147609"/>
+              <a:ext cx="2478024" cy="612648"/>
+            </a:xfrm>
+            <a:prstGeom prst="rect">
+              <a:avLst/>
+            </a:prstGeom>
+          </p:spPr>
+        </p:pic>
+      </p:grpSp>
+      <p:cxnSp>
+        <p:nvCxnSpPr>
+          <p:cNvPr id="15" name="Straight Connector 14">
+            <a:extLst>
+              <a:ext uri="{FF2B5EF4-FFF2-40B4-BE49-F238E27FC236}">
+                <a16:creationId xmlns:a16="http://schemas.microsoft.com/office/drawing/2014/main" id="{20742BC3-654B-4E41-9A6A-73A42E477639}"/>
+              </a:ext>
+              <a:ext uri="{C183D7F6-B498-43B3-948B-1728B52AA6E4}">
+                <adec:decorative xmlns:adec="http://schemas.microsoft.com/office/drawing/2017/decorative" val="1"/>
+              </a:ext>
+            </a:extLst>
+          </p:cNvPr>
+          <p:cNvCxnSpPr>
+            <a:cxnSpLocks noGrp="1" noRot="1" noChangeAspect="1" noMove="1" noResize="1" noEditPoints="1" noAdjustHandles="1" noChangeArrowheads="1" noChangeShapeType="1"/>
+          </p:cNvCxnSpPr>
+          <p:nvPr>
+            <p:extLst>
+              <p:ext uri="{386F3935-93C4-4BCD-93E2-E3B085C9AB24}">
+                <p16:designElem xmlns:p16="http://schemas.microsoft.com/office/powerpoint/2015/main" val="1"/>
+              </p:ext>
+            </p:extLst>
+          </p:nvPr>
+        </p:nvCxnSpPr>
+        <p:spPr>
+          <a:xfrm>
+            <a:off x="2692399" y="3522131"/>
+            <a:ext cx="6815668" cy="0"/>
+          </a:xfrm>
+          <a:prstGeom prst="line">
+            <a:avLst/>
+          </a:prstGeom>
+        </p:spPr>
+        <p:style>
+          <a:lnRef idx="2">
+            <a:schemeClr val="accent1"/>
+          </a:lnRef>
+          <a:fillRef idx="0">
+            <a:schemeClr val="accent1"/>
+          </a:fillRef>
+          <a:effectRef idx="1">
+            <a:schemeClr val="accent1"/>
+          </a:effectRef>
+          <a:fontRef idx="minor">
+            <a:schemeClr val="tx1"/>
+          </a:fontRef>
+        </p:style>
+      </p:cxnSp>
+      <p:sp>
+        <p:nvSpPr>
+          <p:cNvPr id="17" name="Rectangle 16">
+            <a:extLst>
+              <a:ext uri="{FF2B5EF4-FFF2-40B4-BE49-F238E27FC236}">
+                <a16:creationId xmlns:a16="http://schemas.microsoft.com/office/drawing/2014/main" id="{9401732C-37EE-4B98-A709-9530173F3802}"/>
+              </a:ext>
+              <a:ext uri="{C183D7F6-B498-43B3-948B-1728B52AA6E4}">
+                <adec:decorative xmlns:adec="http://schemas.microsoft.com/office/drawing/2017/decorative" val="1"/>
+              </a:ext>
+            </a:extLst>
+          </p:cNvPr>
+          <p:cNvSpPr>
+            <a:spLocks noGrp="1" noRot="1" noChangeAspect="1" noMove="1" noResize="1" noEditPoints="1" noAdjustHandles="1" noChangeArrowheads="1" noChangeShapeType="1" noTextEdit="1"/>
+          </p:cNvSpPr>
+          <p:nvPr>
+            <p:extLst>
+              <p:ext uri="{386F3935-93C4-4BCD-93E2-E3B085C9AB24}">
+                <p16:designElem xmlns:p16="http://schemas.microsoft.com/office/powerpoint/2015/main" val="1"/>
+              </p:ext>
+            </p:extLst>
+          </p:nvPr>
+        </p:nvSpPr>
+        <p:spPr>
+          <a:xfrm>
+            <a:off x="0" y="0"/>
+            <a:ext cx="12192000" cy="6858000"/>
+          </a:xfrm>
+          <a:prstGeom prst="rect">
+            <a:avLst/>
+          </a:prstGeom>
+          <a:ln>
+            <a:noFill/>
+          </a:ln>
+        </p:spPr>
+        <p:style>
+          <a:lnRef idx="2">
+            <a:schemeClr val="accent1">
+              <a:shade val="50000"/>
+            </a:schemeClr>
+          </a:lnRef>
+          <a:fillRef idx="1003">
+            <a:schemeClr val="lt1"/>
+          </a:fillRef>
+          <a:effectRef idx="0">
+            <a:schemeClr val="accent1"/>
+          </a:effectRef>
+          <a:fontRef idx="minor">
+            <a:schemeClr val="lt1"/>
+          </a:fontRef>
+        </p:style>
+        <p:txBody>
+          <a:bodyPr rtlCol="0" anchor="ctr"/>
+          <a:lstStyle/>
+          <a:p>
+            <a:pPr algn="ctr"/>
+            <a:endParaRPr lang="en-US"/>
+          </a:p>
+        </p:txBody>
+      </p:sp>
+      <p:grpSp>
+        <p:nvGrpSpPr>
+          <p:cNvPr id="19" name="Group 18">
+            <a:extLst>
+              <a:ext uri="{FF2B5EF4-FFF2-40B4-BE49-F238E27FC236}">
+                <a16:creationId xmlns:a16="http://schemas.microsoft.com/office/drawing/2014/main" id="{654E48C8-2A00-4C54-BC9C-B18EE49E9C13}"/>
+              </a:ext>
+              <a:ext uri="{C183D7F6-B498-43B3-948B-1728B52AA6E4}">
+                <adec:decorative xmlns:adec="http://schemas.microsoft.com/office/drawing/2017/decorative" val="1"/>
+              </a:ext>
+            </a:extLst>
+          </p:cNvPr>
+          <p:cNvGrpSpPr>
+            <a:grpSpLocks noGrp="1" noUngrp="1" noRot="1" noChangeAspect="1" noMove="1" noResize="1"/>
+          </p:cNvGrpSpPr>
+          <p:nvPr>
+            <p:extLst>
+              <p:ext uri="{386F3935-93C4-4BCD-93E2-E3B085C9AB24}">
+                <p16:designElem xmlns:p16="http://schemas.microsoft.com/office/powerpoint/2015/main" val="1"/>
+              </p:ext>
+            </p:extLst>
+          </p:nvPr>
+        </p:nvGrpSpPr>
+        <p:grpSpPr>
+          <a:xfrm>
+            <a:off x="0" y="1786"/>
+            <a:ext cx="12229962" cy="6856214"/>
+            <a:chOff x="-15736" y="0"/>
+            <a:chExt cx="12229962" cy="6856214"/>
+          </a:xfrm>
+        </p:grpSpPr>
+        <p:pic>
+          <p:nvPicPr>
+            <p:cNvPr id="20" name="Picture 19">
+              <a:extLst>
+                <a:ext uri="{FF2B5EF4-FFF2-40B4-BE49-F238E27FC236}">
+                  <a16:creationId xmlns:a16="http://schemas.microsoft.com/office/drawing/2014/main" id="{CE0A0544-8F52-43F0-AC3E-DF683908B568}"/>
+                </a:ext>
+                <a:ext uri="{C183D7F6-B498-43B3-948B-1728B52AA6E4}">
+                  <adec:decorative xmlns:adec="http://schemas.microsoft.com/office/drawing/2017/decorative" val="1"/>
+                </a:ext>
+              </a:extLst>
+            </p:cNvPr>
+            <p:cNvPicPr>
+              <a:picLocks noChangeAspect="1"/>
+            </p:cNvPicPr>
+            <p:nvPr>
+              <p:extLst>
+                <p:ext uri="{386F3935-93C4-4BCD-93E2-E3B085C9AB24}">
+                  <p16:designElem xmlns:p16="http://schemas.microsoft.com/office/powerpoint/2015/main" val="1"/>
+                </p:ext>
+              </p:extLst>
+            </p:nvPr>
+          </p:nvPicPr>
+          <p:blipFill>
+            <a:blip r:embed="rId5">
+              <a:extLst>
+                <a:ext uri="{28A0092B-C50C-407E-A947-70E740481C1C}">
+                  <a14:useLocalDpi xmlns:a14="http://schemas.microsoft.com/office/drawing/2010/main" val="0"/>
+                </a:ext>
+              </a:extLst>
+            </a:blip>
+            <a:stretch>
+              <a:fillRect/>
+            </a:stretch>
+          </p:blipFill>
+          <p:spPr>
+            <a:xfrm>
+              <a:off x="0" y="0"/>
+              <a:ext cx="12188825" cy="6856214"/>
+            </a:xfrm>
+            <a:prstGeom prst="rect">
+              <a:avLst/>
+            </a:prstGeom>
+          </p:spPr>
+        </p:pic>
+        <p:sp>
+          <p:nvSpPr>
+            <p:cNvPr id="21" name="Rectangle 20">
+              <a:extLst>
+                <a:ext uri="{FF2B5EF4-FFF2-40B4-BE49-F238E27FC236}">
+                  <a16:creationId xmlns:a16="http://schemas.microsoft.com/office/drawing/2014/main" id="{2F4057D3-A680-4443-9E51-ED920A691EB1}"/>
+                </a:ext>
+                <a:ext uri="{C183D7F6-B498-43B3-948B-1728B52AA6E4}">
+                  <adec:decorative xmlns:adec="http://schemas.microsoft.com/office/drawing/2017/decorative" val="1"/>
+                </a:ext>
+              </a:extLst>
+            </p:cNvPr>
+            <p:cNvSpPr/>
+            <p:nvPr>
+              <p:extLst>
+                <p:ext uri="{386F3935-93C4-4BCD-93E2-E3B085C9AB24}">
+                  <p16:designElem xmlns:p16="http://schemas.microsoft.com/office/powerpoint/2015/main" val="1"/>
+                </p:ext>
+              </p:extLst>
+            </p:nvPr>
+          </p:nvSpPr>
+          <p:spPr>
+            <a:xfrm>
+              <a:off x="608012" y="609600"/>
+              <a:ext cx="10972800" cy="5638800"/>
+            </a:xfrm>
+            <a:prstGeom prst="rect">
+              <a:avLst/>
+            </a:prstGeom>
+            <a:noFill/>
+            <a:ln w="15875" cap="flat">
+              <a:miter lim="800000"/>
+            </a:ln>
+          </p:spPr>
+          <p:style>
+            <a:lnRef idx="1">
+              <a:schemeClr val="accent1"/>
+            </a:lnRef>
+            <a:fillRef idx="3">
+              <a:schemeClr val="accent1"/>
+            </a:fillRef>
+            <a:effectRef idx="2">
+              <a:schemeClr val="accent1"/>
+            </a:effectRef>
+            <a:fontRef idx="minor">
+              <a:schemeClr val="lt1"/>
+            </a:fontRef>
+          </p:style>
+        </p:sp>
+        <p:pic>
+          <p:nvPicPr>
+            <p:cNvPr id="22" name="Picture 21">
+              <a:extLst>
+                <a:ext uri="{FF2B5EF4-FFF2-40B4-BE49-F238E27FC236}">
+                  <a16:creationId xmlns:a16="http://schemas.microsoft.com/office/drawing/2014/main" id="{2F6853A4-7B38-4FDE-B024-AE8BA71E738C}"/>
+                </a:ext>
+                <a:ext uri="{C183D7F6-B498-43B3-948B-1728B52AA6E4}">
+                  <adec:decorative xmlns:adec="http://schemas.microsoft.com/office/drawing/2017/decorative" val="1"/>
+                </a:ext>
+              </a:extLst>
+            </p:cNvPr>
+            <p:cNvPicPr>
+              <a:picLocks noChangeAspect="1"/>
+            </p:cNvPicPr>
+            <p:nvPr>
+              <p:extLst>
+                <p:ext uri="{386F3935-93C4-4BCD-93E2-E3B085C9AB24}">
+                  <p16:designElem xmlns:p16="http://schemas.microsoft.com/office/powerpoint/2015/main" val="1"/>
+                </p:ext>
+              </p:extLst>
+            </p:nvPr>
+          </p:nvPicPr>
+          <p:blipFill rotWithShape="1">
+            <a:blip r:embed="rId6">
+              <a:extLst>
+                <a:ext uri="{28A0092B-C50C-407E-A947-70E740481C1C}">
+                  <a14:useLocalDpi xmlns:a14="http://schemas.microsoft.com/office/drawing/2010/main" val="0"/>
+                </a:ext>
+              </a:extLst>
+            </a:blip>
+            <a:srcRect/>
+            <a:stretch/>
+          </p:blipFill>
+          <p:spPr>
+            <a:xfrm>
+              <a:off x="-15736" y="3153832"/>
+              <a:ext cx="777240" cy="606425"/>
+            </a:xfrm>
+            <a:prstGeom prst="rect">
+              <a:avLst/>
+            </a:prstGeom>
+          </p:spPr>
+        </p:pic>
+        <p:pic>
+          <p:nvPicPr>
+            <p:cNvPr id="23" name="Picture 22">
+              <a:extLst>
+                <a:ext uri="{FF2B5EF4-FFF2-40B4-BE49-F238E27FC236}">
+                  <a16:creationId xmlns:a16="http://schemas.microsoft.com/office/drawing/2014/main" id="{86ADF4DB-4290-4441-8F8E-04152FE60631}"/>
+                </a:ext>
+                <a:ext uri="{C183D7F6-B498-43B3-948B-1728B52AA6E4}">
+                  <adec:decorative xmlns:adec="http://schemas.microsoft.com/office/drawing/2017/decorative" val="1"/>
+                </a:ext>
+              </a:extLst>
+            </p:cNvPr>
+            <p:cNvPicPr>
+              <a:picLocks noChangeAspect="1"/>
+            </p:cNvPicPr>
+            <p:nvPr>
+              <p:extLst>
+                <p:ext uri="{386F3935-93C4-4BCD-93E2-E3B085C9AB24}">
+                  <p16:designElem xmlns:p16="http://schemas.microsoft.com/office/powerpoint/2015/main" val="1"/>
+                </p:ext>
+              </p:extLst>
+            </p:nvPr>
+          </p:nvPicPr>
+          <p:blipFill rotWithShape="1">
+            <a:blip r:embed="rId6">
+              <a:extLst>
+                <a:ext uri="{28A0092B-C50C-407E-A947-70E740481C1C}">
+                  <a14:useLocalDpi xmlns:a14="http://schemas.microsoft.com/office/drawing/2010/main" val="0"/>
+                </a:ext>
+              </a:extLst>
+            </a:blip>
+            <a:srcRect/>
+            <a:stretch/>
+          </p:blipFill>
+          <p:spPr>
+            <a:xfrm>
+              <a:off x="11436986" y="3153832"/>
+              <a:ext cx="777240" cy="606425"/>
+            </a:xfrm>
+            <a:prstGeom prst="rect">
+              <a:avLst/>
+            </a:prstGeom>
+          </p:spPr>
+        </p:pic>
+      </p:grpSp>
+      <p:pic>
+        <p:nvPicPr>
+          <p:cNvPr id="4" name="Picture 3">
+            <a:extLst>
+              <a:ext uri="{FF2B5EF4-FFF2-40B4-BE49-F238E27FC236}">
+                <a16:creationId xmlns:a16="http://schemas.microsoft.com/office/drawing/2014/main" id="{DE149105-C2CA-4BD7-9E6F-B17EC4FEFE50}"/>
+              </a:ext>
+            </a:extLst>
+          </p:cNvPr>
+          <p:cNvPicPr>
+            <a:picLocks noChangeAspect="1"/>
+          </p:cNvPicPr>
+          <p:nvPr/>
+        </p:nvPicPr>
+        <p:blipFill>
+          <a:blip r:embed="rId7"/>
+          <a:stretch>
+            <a:fillRect/>
+          </a:stretch>
+        </p:blipFill>
+        <p:spPr>
+          <a:xfrm>
+            <a:off x="5945034" y="3274652"/>
+            <a:ext cx="5126858" cy="2627515"/>
+          </a:xfrm>
+          <a:prstGeom prst="rect">
+            <a:avLst/>
+          </a:prstGeom>
+          <a:ln w="228600" cap="sq" cmpd="thickThin">
+            <a:solidFill>
+              <a:srgbClr val="000000"/>
+            </a:solidFill>
+            <a:prstDash val="solid"/>
+            <a:miter lim="800000"/>
+          </a:ln>
+          <a:effectLst>
+            <a:innerShdw blurRad="76200">
+              <a:srgbClr val="000000"/>
+            </a:innerShdw>
+          </a:effectLst>
+        </p:spPr>
+      </p:pic>
+      <p:pic>
+        <p:nvPicPr>
+          <p:cNvPr id="5" name="Picture 4">
+            <a:extLst>
+              <a:ext uri="{FF2B5EF4-FFF2-40B4-BE49-F238E27FC236}">
+                <a16:creationId xmlns:a16="http://schemas.microsoft.com/office/drawing/2014/main" id="{807A1814-64B3-4618-B897-AD02E77A1267}"/>
+              </a:ext>
+            </a:extLst>
+          </p:cNvPr>
+          <p:cNvPicPr>
+            <a:picLocks noChangeAspect="1"/>
+          </p:cNvPicPr>
+          <p:nvPr/>
+        </p:nvPicPr>
+        <p:blipFill>
+          <a:blip r:embed="rId8"/>
+          <a:stretch>
+            <a:fillRect/>
+          </a:stretch>
+        </p:blipFill>
+        <p:spPr>
+          <a:xfrm>
+            <a:off x="2361509" y="1187968"/>
+            <a:ext cx="5172368" cy="1376365"/>
+          </a:xfrm>
+          <a:prstGeom prst="rect">
+            <a:avLst/>
+          </a:prstGeom>
+          <a:ln w="228600" cap="sq" cmpd="thickThin">
+            <a:solidFill>
+              <a:srgbClr val="000000"/>
+            </a:solidFill>
+            <a:prstDash val="solid"/>
+            <a:miter lim="800000"/>
+          </a:ln>
+          <a:effectLst>
+            <a:innerShdw blurRad="76200">
+              <a:srgbClr val="000000"/>
+            </a:innerShdw>
+          </a:effectLst>
+        </p:spPr>
+      </p:pic>
+      <p:pic>
+        <p:nvPicPr>
+          <p:cNvPr id="1026" name="Picture 2" descr="k Nearest Neighbor Classifier ( kNN )-Machine Learning Algorithms">
+            <a:extLst>
+              <a:ext uri="{FF2B5EF4-FFF2-40B4-BE49-F238E27FC236}">
+                <a16:creationId xmlns:a16="http://schemas.microsoft.com/office/drawing/2014/main" id="{64CC9EF1-6CDE-4278-8D27-BA06C8E657AC}"/>
+              </a:ext>
+            </a:extLst>
+          </p:cNvPr>
+          <p:cNvPicPr>
+            <a:picLocks noChangeAspect="1" noChangeArrowheads="1"/>
+          </p:cNvPicPr>
+          <p:nvPr/>
+        </p:nvPicPr>
+        <p:blipFill>
+          <a:blip r:embed="rId9">
+            <a:extLst>
+              <a:ext uri="{28A0092B-C50C-407E-A947-70E740481C1C}">
+                <a14:useLocalDpi xmlns:a14="http://schemas.microsoft.com/office/drawing/2010/main" val="0"/>
+              </a:ext>
+            </a:extLst>
+          </a:blip>
+          <a:srcRect/>
+          <a:stretch>
+            <a:fillRect/>
+          </a:stretch>
+        </p:blipFill>
+        <p:spPr bwMode="auto">
+          <a:xfrm>
+            <a:off x="1281421" y="3436146"/>
+            <a:ext cx="3361172" cy="2517634"/>
+          </a:xfrm>
+          <a:prstGeom prst="rect">
+            <a:avLst/>
+          </a:prstGeom>
+          <a:ln w="228600" cap="sq" cmpd="thickThin">
+            <a:solidFill>
+              <a:srgbClr val="000000"/>
+            </a:solidFill>
+            <a:prstDash val="solid"/>
+            <a:miter lim="800000"/>
+          </a:ln>
+          <a:effectLst>
+            <a:innerShdw blurRad="76200">
+              <a:srgbClr val="000000"/>
+            </a:innerShdw>
+          </a:effectLst>
+          <a:extLst>
+            <a:ext uri="{909E8E84-426E-40DD-AFC4-6F175D3DCCD1}">
+              <a14:hiddenFill xmlns:a14="http://schemas.microsoft.com/office/drawing/2010/main">
+                <a:solidFill>
+                  <a:srgbClr val="FFFFFF"/>
+                </a:solidFill>
+              </a14:hiddenFill>
+            </a:ext>
+          </a:extLst>
+        </p:spPr>
+      </p:pic>
+    </p:spTree>
+    <p:extLst>
+      <p:ext uri="{BB962C8B-B14F-4D97-AF65-F5344CB8AC3E}">
+        <p14:creationId xmlns:p14="http://schemas.microsoft.com/office/powerpoint/2010/main" val="1035742996"/>
+      </p:ext>
+    </p:extLst>
+  </p:cSld>
+  <p:clrMapOvr>
+    <a:masterClrMapping/>
+  </p:clrMapOvr>
+</p:sld>
+</file>
+
+<file path=ppt/slides/slide9.xml><?xml version="1.0" encoding="utf-8"?>
+<p:sld xmlns:a="http://schemas.openxmlformats.org/drawingml/2006/main" xmlns:r="http://schemas.openxmlformats.org/officeDocument/2006/relationships" xmlns:p="http://schemas.openxmlformats.org/presentationml/2006/main">
+  <p:cSld>
+    <p:spTree>
+      <p:nvGrpSpPr>
+        <p:cNvPr id="1" name=""/>
+        <p:cNvGrpSpPr/>
+        <p:nvPr/>
+      </p:nvGrpSpPr>
+      <p:grpSpPr>
+        <a:xfrm>
+          <a:off x="0" y="0"/>
+          <a:ext cx="0" cy="0"/>
+          <a:chOff x="0" y="0"/>
+          <a:chExt cx="0" cy="0"/>
+        </a:xfrm>
+      </p:grpSpPr>
+      <p:sp>
+        <p:nvSpPr>
+          <p:cNvPr id="2" name="Title 1">
+            <a:extLst>
+              <a:ext uri="{FF2B5EF4-FFF2-40B4-BE49-F238E27FC236}">
+                <a16:creationId xmlns:a16="http://schemas.microsoft.com/office/drawing/2014/main" id="{B0F7B1B1-E860-4DBE-B323-B20F09899BFD}"/>
+              </a:ext>
+            </a:extLst>
+          </p:cNvPr>
+          <p:cNvSpPr>
+            <a:spLocks noGrp="1"/>
+          </p:cNvSpPr>
+          <p:nvPr>
+            <p:ph type="title"/>
+          </p:nvPr>
+        </p:nvSpPr>
+        <p:spPr/>
+        <p:txBody>
+          <a:bodyPr/>
+          <a:lstStyle/>
+          <a:p>
+            <a:r>
+              <a:rPr lang="en-US" dirty="0"/>
+              <a:t>Results &amp; Conclusions</a:t>
+            </a:r>
+          </a:p>
+        </p:txBody>
+      </p:sp>
+      <p:sp>
+        <p:nvSpPr>
+          <p:cNvPr id="3" name="Content Placeholder 2">
+            <a:extLst>
+              <a:ext uri="{FF2B5EF4-FFF2-40B4-BE49-F238E27FC236}">
+                <a16:creationId xmlns:a16="http://schemas.microsoft.com/office/drawing/2014/main" id="{61532612-795A-4807-BF85-733990A1A1B2}"/>
+              </a:ext>
+            </a:extLst>
+          </p:cNvPr>
+          <p:cNvSpPr>
+            <a:spLocks noGrp="1"/>
+          </p:cNvSpPr>
+          <p:nvPr>
+            <p:ph idx="1"/>
+          </p:nvPr>
+        </p:nvSpPr>
+        <p:spPr/>
+        <p:txBody>
+          <a:bodyPr/>
+          <a:lstStyle/>
+          <a:p>
+            <a:endParaRPr lang="en-US" dirty="0"/>
+          </a:p>
+        </p:txBody>
+      </p:sp>
+    </p:spTree>
+    <p:extLst>
+      <p:ext uri="{BB962C8B-B14F-4D97-AF65-F5344CB8AC3E}">
+        <p14:creationId xmlns:p14="http://schemas.microsoft.com/office/powerpoint/2010/main" val="1309927264"/>
       </p:ext>
     </p:extLst>
   </p:cSld>
